--- a/Biologie/Tetrodotoxin.pptx
+++ b/Biologie/Tetrodotoxin.pptx
@@ -5,7 +5,7 @@
     <p:sldMasterId id="2147483660" r:id="rId1"/>
   </p:sldMasterIdLst>
   <p:notesMasterIdLst>
-    <p:notesMasterId r:id="rId13"/>
+    <p:notesMasterId r:id="rId14"/>
   </p:notesMasterIdLst>
   <p:sldIdLst>
     <p:sldId id="256" r:id="rId2"/>
@@ -19,30 +19,31 @@
     <p:sldId id="263" r:id="rId10"/>
     <p:sldId id="294" r:id="rId11"/>
     <p:sldId id="264" r:id="rId12"/>
+    <p:sldId id="295" r:id="rId13"/>
   </p:sldIdLst>
   <p:sldSz cx="9144000" cy="5143500" type="screen16x9"/>
   <p:notesSz cx="6858000" cy="9144000"/>
   <p:embeddedFontLst>
     <p:embeddedFont>
       <p:font typeface="Fira Sans Extra Condensed" panose="020B0503050000020004" pitchFamily="34" charset="0"/>
-      <p:regular r:id="rId14"/>
-      <p:bold r:id="rId15"/>
-      <p:italic r:id="rId16"/>
-      <p:boldItalic r:id="rId17"/>
+      <p:regular r:id="rId15"/>
+      <p:bold r:id="rId16"/>
+      <p:italic r:id="rId17"/>
+      <p:boldItalic r:id="rId18"/>
     </p:embeddedFont>
     <p:embeddedFont>
       <p:font typeface="Fira Sans Extra Condensed SemiBold" panose="020B0604020202020204" charset="0"/>
-      <p:regular r:id="rId18"/>
-      <p:bold r:id="rId19"/>
-      <p:italic r:id="rId20"/>
-      <p:boldItalic r:id="rId21"/>
+      <p:regular r:id="rId19"/>
+      <p:bold r:id="rId20"/>
+      <p:italic r:id="rId21"/>
+      <p:boldItalic r:id="rId22"/>
     </p:embeddedFont>
     <p:embeddedFont>
       <p:font typeface="Roboto" panose="02000000000000000000" pitchFamily="2" charset="0"/>
-      <p:regular r:id="rId22"/>
-      <p:bold r:id="rId23"/>
-      <p:italic r:id="rId24"/>
-      <p:boldItalic r:id="rId25"/>
+      <p:regular r:id="rId23"/>
+      <p:bold r:id="rId24"/>
+      <p:italic r:id="rId25"/>
+      <p:boldItalic r:id="rId26"/>
     </p:embeddedFont>
   </p:embeddedFontLst>
   <p:defaultTextStyle>
@@ -1193,6 +1194,133 @@
 </p:notes>
 </file>
 
+<file path=ppt/notesSlides/notesSlide12.xml><?xml version="1.0" encoding="utf-8"?>
+<p:notes xmlns:a="http://schemas.openxmlformats.org/drawingml/2006/main" xmlns:r="http://schemas.openxmlformats.org/officeDocument/2006/relationships" xmlns:p="http://schemas.openxmlformats.org/presentationml/2006/main" showMasterSp="0" showMasterPhAnim="0">
+  <p:cSld>
+    <p:spTree>
+      <p:nvGrpSpPr>
+        <p:cNvPr id="1" name="Shape 488">
+          <a:extLst>
+            <a:ext uri="{FF2B5EF4-FFF2-40B4-BE49-F238E27FC236}">
+              <a16:creationId xmlns:a16="http://schemas.microsoft.com/office/drawing/2014/main" id="{023752D7-4CBB-5652-3F3F-116E39FF4F13}"/>
+            </a:ext>
+          </a:extLst>
+        </p:cNvPr>
+        <p:cNvGrpSpPr/>
+        <p:nvPr/>
+      </p:nvGrpSpPr>
+      <p:grpSpPr>
+        <a:xfrm>
+          <a:off x="0" y="0"/>
+          <a:ext cx="0" cy="0"/>
+          <a:chOff x="0" y="0"/>
+          <a:chExt cx="0" cy="0"/>
+        </a:xfrm>
+      </p:grpSpPr>
+      <p:sp>
+        <p:nvSpPr>
+          <p:cNvPr id="489" name="Google Shape;489;g11941f20ec8_0_341:notes">
+            <a:extLst>
+              <a:ext uri="{FF2B5EF4-FFF2-40B4-BE49-F238E27FC236}">
+                <a16:creationId xmlns:a16="http://schemas.microsoft.com/office/drawing/2014/main" id="{ED5586CA-1A53-08A6-6FE4-FE2D81279704}"/>
+              </a:ext>
+            </a:extLst>
+          </p:cNvPr>
+          <p:cNvSpPr>
+            <a:spLocks noGrp="1" noRot="1" noChangeAspect="1"/>
+          </p:cNvSpPr>
+          <p:nvPr>
+            <p:ph type="sldImg" idx="2"/>
+          </p:nvPr>
+        </p:nvSpPr>
+        <p:spPr>
+          <a:xfrm>
+            <a:off x="381000" y="685800"/>
+            <a:ext cx="6096000" cy="3429000"/>
+          </a:xfrm>
+          <a:custGeom>
+            <a:avLst/>
+            <a:gdLst/>
+            <a:ahLst/>
+            <a:cxnLst/>
+            <a:rect l="l" t="t" r="r" b="b"/>
+            <a:pathLst>
+              <a:path w="120000" h="120000" extrusionOk="0">
+                <a:moveTo>
+                  <a:pt x="0" y="0"/>
+                </a:moveTo>
+                <a:lnTo>
+                  <a:pt x="120000" y="0"/>
+                </a:lnTo>
+                <a:lnTo>
+                  <a:pt x="120000" y="120000"/>
+                </a:lnTo>
+                <a:lnTo>
+                  <a:pt x="0" y="120000"/>
+                </a:lnTo>
+                <a:close/>
+              </a:path>
+            </a:pathLst>
+          </a:custGeom>
+        </p:spPr>
+      </p:sp>
+      <p:sp>
+        <p:nvSpPr>
+          <p:cNvPr id="490" name="Google Shape;490;g11941f20ec8_0_341:notes">
+            <a:extLst>
+              <a:ext uri="{FF2B5EF4-FFF2-40B4-BE49-F238E27FC236}">
+                <a16:creationId xmlns:a16="http://schemas.microsoft.com/office/drawing/2014/main" id="{E4C6A927-D821-5CFB-EE36-6C4AFC07E25C}"/>
+              </a:ext>
+            </a:extLst>
+          </p:cNvPr>
+          <p:cNvSpPr txBox="1">
+            <a:spLocks noGrp="1"/>
+          </p:cNvSpPr>
+          <p:nvPr>
+            <p:ph type="body" idx="1"/>
+          </p:nvPr>
+        </p:nvSpPr>
+        <p:spPr>
+          <a:xfrm>
+            <a:off x="685800" y="4343400"/>
+            <a:ext cx="5486400" cy="4114800"/>
+          </a:xfrm>
+          <a:prstGeom prst="rect">
+            <a:avLst/>
+          </a:prstGeom>
+        </p:spPr>
+        <p:txBody>
+          <a:bodyPr spcFirstLastPara="1" wrap="square" lIns="91425" tIns="91425" rIns="91425" bIns="91425" anchor="t" anchorCtr="0">
+            <a:noAutofit/>
+          </a:bodyPr>
+          <a:lstStyle/>
+          <a:p>
+            <a:pPr marL="0" lvl="0" indent="0" algn="l" rtl="0">
+              <a:spcBef>
+                <a:spcPts val="0"/>
+              </a:spcBef>
+              <a:spcAft>
+                <a:spcPts val="0"/>
+              </a:spcAft>
+              <a:buNone/>
+            </a:pPr>
+            <a:endParaRPr/>
+          </a:p>
+        </p:txBody>
+      </p:sp>
+    </p:spTree>
+    <p:extLst>
+      <p:ext uri="{BB962C8B-B14F-4D97-AF65-F5344CB8AC3E}">
+        <p14:creationId xmlns:p14="http://schemas.microsoft.com/office/powerpoint/2010/main" val="2513865701"/>
+      </p:ext>
+    </p:extLst>
+  </p:cSld>
+  <p:clrMapOvr>
+    <a:masterClrMapping/>
+  </p:clrMapOvr>
+</p:notes>
+</file>
+
 <file path=ppt/notesSlides/notesSlide2.xml><?xml version="1.0" encoding="utf-8"?>
 <p:notes xmlns:a="http://schemas.openxmlformats.org/drawingml/2006/main" xmlns:r="http://schemas.openxmlformats.org/officeDocument/2006/relationships" xmlns:p="http://schemas.openxmlformats.org/presentationml/2006/main" showMasterSp="0" showMasterPhAnim="0">
   <p:cSld>
@@ -2433,7 +2561,7 @@
               </a:spcAft>
               <a:buNone/>
             </a:pPr>
-            <a:endParaRPr/>
+            <a:endParaRPr dirty="0"/>
           </a:p>
         </p:txBody>
       </p:sp>
@@ -2591,7 +2719,51 @@
             </a:r>
             <a:r>
               <a:rPr lang="en-US" dirty="0"/>
-              <a:t> den Magen</a:t>
+              <a:t> den Magen. ABER es </a:t>
+            </a:r>
+            <a:r>
+              <a:rPr lang="en-US" dirty="0" err="1"/>
+              <a:t>wird</a:t>
+            </a:r>
+            <a:r>
+              <a:rPr lang="en-US" dirty="0"/>
+              <a:t> </a:t>
+            </a:r>
+            <a:r>
+              <a:rPr lang="en-US" dirty="0" err="1"/>
+              <a:t>als</a:t>
+            </a:r>
+            <a:r>
+              <a:rPr lang="en-US" dirty="0"/>
+              <a:t> </a:t>
+            </a:r>
+            <a:r>
+              <a:rPr lang="en-US" dirty="0" err="1"/>
+              <a:t>Gegengift</a:t>
+            </a:r>
+            <a:r>
+              <a:rPr lang="en-US" dirty="0"/>
+              <a:t> </a:t>
+            </a:r>
+            <a:r>
+              <a:rPr lang="en-US" dirty="0" err="1"/>
+              <a:t>verwendet</a:t>
+            </a:r>
+            <a:r>
+              <a:rPr lang="en-US" dirty="0"/>
+              <a:t> Gegen das Gift der </a:t>
+            </a:r>
+            <a:r>
+              <a:rPr lang="en-US" dirty="0" err="1"/>
+              <a:t>Pfeilgift</a:t>
+            </a:r>
+            <a:r>
+              <a:rPr lang="en-US" dirty="0"/>
+              <a:t> </a:t>
+            </a:r>
+            <a:r>
+              <a:rPr lang="en-US" dirty="0" err="1"/>
+              <a:t>froesche</a:t>
             </a:r>
             <a:endParaRPr dirty="0"/>
           </a:p>
@@ -7746,12 +7918,378 @@
           </p:spPr>
         </p:pic>
       </p:grpSp>
+      <p:grpSp>
+        <p:nvGrpSpPr>
+          <p:cNvPr id="3" name="Gruppieren 2">
+            <a:extLst>
+              <a:ext uri="{FF2B5EF4-FFF2-40B4-BE49-F238E27FC236}">
+                <a16:creationId xmlns:a16="http://schemas.microsoft.com/office/drawing/2014/main" id="{E259C26D-E49A-5233-D3F4-1A02098871C4}"/>
+              </a:ext>
+            </a:extLst>
+          </p:cNvPr>
+          <p:cNvGrpSpPr/>
+          <p:nvPr/>
+        </p:nvGrpSpPr>
+        <p:grpSpPr>
+          <a:xfrm>
+            <a:off x="138402" y="2310140"/>
+            <a:ext cx="3664452" cy="523220"/>
+            <a:chOff x="138402" y="2310140"/>
+            <a:chExt cx="3664452" cy="523220"/>
+          </a:xfrm>
+        </p:grpSpPr>
+        <p:sp>
+          <p:nvSpPr>
+            <p:cNvPr id="10" name="Textfeld 9">
+              <a:extLst>
+                <a:ext uri="{FF2B5EF4-FFF2-40B4-BE49-F238E27FC236}">
+                  <a16:creationId xmlns:a16="http://schemas.microsoft.com/office/drawing/2014/main" id="{4D9B9C2D-AF48-B096-5C8A-9A47F969BD25}"/>
+                </a:ext>
+              </a:extLst>
+            </p:cNvPr>
+            <p:cNvSpPr txBox="1"/>
+            <p:nvPr/>
+          </p:nvSpPr>
+          <p:spPr>
+            <a:xfrm>
+              <a:off x="138402" y="2310140"/>
+              <a:ext cx="3241593" cy="523220"/>
+            </a:xfrm>
+            <a:prstGeom prst="rect">
+              <a:avLst/>
+            </a:prstGeom>
+            <a:noFill/>
+          </p:spPr>
+          <p:txBody>
+            <a:bodyPr wrap="none" rtlCol="0">
+              <a:spAutoFit/>
+            </a:bodyPr>
+            <a:lstStyle/>
+            <a:p>
+              <a:r>
+                <a:rPr lang="en-US" sz="2800" b="1" dirty="0" err="1"/>
+                <a:t>Krebsbehandlung</a:t>
+              </a:r>
+              <a:endParaRPr lang="de-DE" sz="2800" b="1" dirty="0"/>
+            </a:p>
+          </p:txBody>
+        </p:sp>
+        <p:cxnSp>
+          <p:nvCxnSpPr>
+            <p:cNvPr id="5" name="Gerade Verbindung mit Pfeil 4">
+              <a:extLst>
+                <a:ext uri="{FF2B5EF4-FFF2-40B4-BE49-F238E27FC236}">
+                  <a16:creationId xmlns:a16="http://schemas.microsoft.com/office/drawing/2014/main" id="{D4988BB6-EFA8-FDEA-E849-B10936FAF9F4}"/>
+                </a:ext>
+              </a:extLst>
+            </p:cNvPr>
+            <p:cNvCxnSpPr>
+              <a:stCxn id="4" idx="2"/>
+              <a:endCxn id="10" idx="3"/>
+            </p:cNvCxnSpPr>
+            <p:nvPr/>
+          </p:nvCxnSpPr>
+          <p:spPr>
+            <a:xfrm flipH="1">
+              <a:off x="3379995" y="2571750"/>
+              <a:ext cx="422859" cy="0"/>
+            </a:xfrm>
+            <a:prstGeom prst="straightConnector1">
+              <a:avLst/>
+            </a:prstGeom>
+            <a:ln w="25400">
+              <a:tailEnd type="triangle"/>
+            </a:ln>
+          </p:spPr>
+          <p:style>
+            <a:lnRef idx="1">
+              <a:schemeClr val="accent1"/>
+            </a:lnRef>
+            <a:fillRef idx="0">
+              <a:schemeClr val="accent1"/>
+            </a:fillRef>
+            <a:effectRef idx="0">
+              <a:schemeClr val="accent1"/>
+            </a:effectRef>
+            <a:fontRef idx="minor">
+              <a:schemeClr val="tx1"/>
+            </a:fontRef>
+          </p:style>
+        </p:cxnSp>
+      </p:grpSp>
+      <p:grpSp>
+        <p:nvGrpSpPr>
+          <p:cNvPr id="11" name="Gruppieren 10">
+            <a:extLst>
+              <a:ext uri="{FF2B5EF4-FFF2-40B4-BE49-F238E27FC236}">
+                <a16:creationId xmlns:a16="http://schemas.microsoft.com/office/drawing/2014/main" id="{E049273E-E0F6-6C2E-C466-11DA660A14D9}"/>
+              </a:ext>
+            </a:extLst>
+          </p:cNvPr>
+          <p:cNvGrpSpPr/>
+          <p:nvPr/>
+        </p:nvGrpSpPr>
+        <p:grpSpPr>
+          <a:xfrm>
+            <a:off x="5341142" y="2310140"/>
+            <a:ext cx="3741396" cy="523220"/>
+            <a:chOff x="5341142" y="2310140"/>
+            <a:chExt cx="3741396" cy="523220"/>
+          </a:xfrm>
+        </p:grpSpPr>
+        <p:sp>
+          <p:nvSpPr>
+            <p:cNvPr id="9" name="Textfeld 8">
+              <a:extLst>
+                <a:ext uri="{FF2B5EF4-FFF2-40B4-BE49-F238E27FC236}">
+                  <a16:creationId xmlns:a16="http://schemas.microsoft.com/office/drawing/2014/main" id="{3690320E-D8F6-B307-2302-E87D86D14596}"/>
+                </a:ext>
+              </a:extLst>
+            </p:cNvPr>
+            <p:cNvSpPr txBox="1"/>
+            <p:nvPr/>
+          </p:nvSpPr>
+          <p:spPr>
+            <a:xfrm>
+              <a:off x="5764001" y="2310140"/>
+              <a:ext cx="3318537" cy="523220"/>
+            </a:xfrm>
+            <a:prstGeom prst="rect">
+              <a:avLst/>
+            </a:prstGeom>
+            <a:noFill/>
+          </p:spPr>
+          <p:txBody>
+            <a:bodyPr wrap="none" rtlCol="0">
+              <a:spAutoFit/>
+            </a:bodyPr>
+            <a:lstStyle/>
+            <a:p>
+              <a:r>
+                <a:rPr lang="en-US" sz="2800" b="1" dirty="0" err="1"/>
+                <a:t>Schmerzlinderung</a:t>
+              </a:r>
+              <a:endParaRPr lang="de-DE" sz="2400" b="1" dirty="0"/>
+            </a:p>
+          </p:txBody>
+        </p:sp>
+        <p:cxnSp>
+          <p:nvCxnSpPr>
+            <p:cNvPr id="6" name="Gerade Verbindung mit Pfeil 5">
+              <a:extLst>
+                <a:ext uri="{FF2B5EF4-FFF2-40B4-BE49-F238E27FC236}">
+                  <a16:creationId xmlns:a16="http://schemas.microsoft.com/office/drawing/2014/main" id="{0DC1F787-FF74-3FCC-612F-1A5F88ED588D}"/>
+                </a:ext>
+              </a:extLst>
+            </p:cNvPr>
+            <p:cNvCxnSpPr>
+              <a:cxnSpLocks/>
+              <a:stCxn id="4" idx="6"/>
+              <a:endCxn id="9" idx="1"/>
+            </p:cNvCxnSpPr>
+            <p:nvPr/>
+          </p:nvCxnSpPr>
+          <p:spPr>
+            <a:xfrm>
+              <a:off x="5341142" y="2571750"/>
+              <a:ext cx="422859" cy="0"/>
+            </a:xfrm>
+            <a:prstGeom prst="straightConnector1">
+              <a:avLst/>
+            </a:prstGeom>
+            <a:ln w="25400">
+              <a:tailEnd type="triangle"/>
+            </a:ln>
+          </p:spPr>
+          <p:style>
+            <a:lnRef idx="1">
+              <a:schemeClr val="accent1"/>
+            </a:lnRef>
+            <a:fillRef idx="0">
+              <a:schemeClr val="accent1"/>
+            </a:fillRef>
+            <a:effectRef idx="0">
+              <a:schemeClr val="accent1"/>
+            </a:effectRef>
+            <a:fontRef idx="minor">
+              <a:schemeClr val="tx1"/>
+            </a:fontRef>
+          </p:style>
+        </p:cxnSp>
+      </p:grpSp>
+    </p:spTree>
+  </p:cSld>
+  <p:clrMapOvr>
+    <a:masterClrMapping/>
+  </p:clrMapOvr>
+  <p:timing>
+    <p:tnLst>
+      <p:par>
+        <p:cTn id="1" dur="indefinite" restart="never" nodeType="tmRoot">
+          <p:childTnLst>
+            <p:seq concurrent="1" nextAc="seek">
+              <p:cTn id="2" dur="indefinite" nodeType="mainSeq">
+                <p:childTnLst>
+                  <p:par>
+                    <p:cTn id="3" fill="hold">
+                      <p:stCondLst>
+                        <p:cond delay="indefinite"/>
+                      </p:stCondLst>
+                      <p:childTnLst>
+                        <p:par>
+                          <p:cTn id="4" fill="hold">
+                            <p:stCondLst>
+                              <p:cond delay="0"/>
+                            </p:stCondLst>
+                            <p:childTnLst>
+                              <p:par>
+                                <p:cTn id="5" presetID="22" presetClass="entr" presetSubtype="2" fill="hold" nodeType="clickEffect">
+                                  <p:stCondLst>
+                                    <p:cond delay="0"/>
+                                  </p:stCondLst>
+                                  <p:childTnLst>
+                                    <p:set>
+                                      <p:cBhvr>
+                                        <p:cTn id="6" dur="1" fill="hold">
+                                          <p:stCondLst>
+                                            <p:cond delay="0"/>
+                                          </p:stCondLst>
+                                        </p:cTn>
+                                        <p:tgtEl>
+                                          <p:spTgt spid="3"/>
+                                        </p:tgtEl>
+                                        <p:attrNameLst>
+                                          <p:attrName>style.visibility</p:attrName>
+                                        </p:attrNameLst>
+                                      </p:cBhvr>
+                                      <p:to>
+                                        <p:strVal val="visible"/>
+                                      </p:to>
+                                    </p:set>
+                                    <p:animEffect transition="in" filter="wipe(right)">
+                                      <p:cBhvr>
+                                        <p:cTn id="7" dur="500"/>
+                                        <p:tgtEl>
+                                          <p:spTgt spid="3"/>
+                                        </p:tgtEl>
+                                      </p:cBhvr>
+                                    </p:animEffect>
+                                  </p:childTnLst>
+                                </p:cTn>
+                              </p:par>
+                            </p:childTnLst>
+                          </p:cTn>
+                        </p:par>
+                      </p:childTnLst>
+                    </p:cTn>
+                  </p:par>
+                  <p:par>
+                    <p:cTn id="8" fill="hold">
+                      <p:stCondLst>
+                        <p:cond delay="indefinite"/>
+                      </p:stCondLst>
+                      <p:childTnLst>
+                        <p:par>
+                          <p:cTn id="9" fill="hold">
+                            <p:stCondLst>
+                              <p:cond delay="0"/>
+                            </p:stCondLst>
+                            <p:childTnLst>
+                              <p:par>
+                                <p:cTn id="10" presetID="22" presetClass="entr" presetSubtype="8" fill="hold" nodeType="clickEffect">
+                                  <p:stCondLst>
+                                    <p:cond delay="0"/>
+                                  </p:stCondLst>
+                                  <p:childTnLst>
+                                    <p:set>
+                                      <p:cBhvr>
+                                        <p:cTn id="11" dur="1" fill="hold">
+                                          <p:stCondLst>
+                                            <p:cond delay="0"/>
+                                          </p:stCondLst>
+                                        </p:cTn>
+                                        <p:tgtEl>
+                                          <p:spTgt spid="11"/>
+                                        </p:tgtEl>
+                                        <p:attrNameLst>
+                                          <p:attrName>style.visibility</p:attrName>
+                                        </p:attrNameLst>
+                                      </p:cBhvr>
+                                      <p:to>
+                                        <p:strVal val="visible"/>
+                                      </p:to>
+                                    </p:set>
+                                    <p:animEffect transition="in" filter="wipe(left)">
+                                      <p:cBhvr>
+                                        <p:cTn id="12" dur="500"/>
+                                        <p:tgtEl>
+                                          <p:spTgt spid="11"/>
+                                        </p:tgtEl>
+                                      </p:cBhvr>
+                                    </p:animEffect>
+                                  </p:childTnLst>
+                                </p:cTn>
+                              </p:par>
+                            </p:childTnLst>
+                          </p:cTn>
+                        </p:par>
+                      </p:childTnLst>
+                    </p:cTn>
+                  </p:par>
+                </p:childTnLst>
+              </p:cTn>
+              <p:prevCondLst>
+                <p:cond evt="onPrev" delay="0">
+                  <p:tgtEl>
+                    <p:sldTgt/>
+                  </p:tgtEl>
+                </p:cond>
+              </p:prevCondLst>
+              <p:nextCondLst>
+                <p:cond evt="onNext" delay="0">
+                  <p:tgtEl>
+                    <p:sldTgt/>
+                  </p:tgtEl>
+                </p:cond>
+              </p:nextCondLst>
+            </p:seq>
+          </p:childTnLst>
+        </p:cTn>
+      </p:par>
+    </p:tnLst>
+  </p:timing>
+</p:sld>
+</file>
+
+<file path=ppt/slides/slide12.xml><?xml version="1.0" encoding="utf-8"?>
+<p:sld xmlns:a="http://schemas.openxmlformats.org/drawingml/2006/main" xmlns:r="http://schemas.openxmlformats.org/officeDocument/2006/relationships" xmlns:p="http://schemas.openxmlformats.org/presentationml/2006/main">
+  <p:cSld>
+    <p:spTree>
+      <p:nvGrpSpPr>
+        <p:cNvPr id="1" name="Shape 491">
+          <a:extLst>
+            <a:ext uri="{FF2B5EF4-FFF2-40B4-BE49-F238E27FC236}">
+              <a16:creationId xmlns:a16="http://schemas.microsoft.com/office/drawing/2014/main" id="{F49B7764-303D-1E96-FD36-9B77D86A8156}"/>
+            </a:ext>
+          </a:extLst>
+        </p:cNvPr>
+        <p:cNvGrpSpPr/>
+        <p:nvPr/>
+      </p:nvGrpSpPr>
+      <p:grpSpPr>
+        <a:xfrm>
+          <a:off x="0" y="0"/>
+          <a:ext cx="0" cy="0"/>
+          <a:chOff x="0" y="0"/>
+          <a:chExt cx="0" cy="0"/>
+        </a:xfrm>
+      </p:grpSpPr>
       <p:sp>
         <p:nvSpPr>
-          <p:cNvPr id="9" name="Textfeld 8">
+          <p:cNvPr id="2" name="Google Shape;171;p18">
             <a:extLst>
               <a:ext uri="{FF2B5EF4-FFF2-40B4-BE49-F238E27FC236}">
-                <a16:creationId xmlns:a16="http://schemas.microsoft.com/office/drawing/2014/main" id="{3690320E-D8F6-B307-2302-E87D86D14596}"/>
+                <a16:creationId xmlns:a16="http://schemas.microsoft.com/office/drawing/2014/main" id="{F617D2A9-8E0D-0D6D-CC6B-7C94AED7DE2E}"/>
               </a:ext>
             </a:extLst>
           </p:cNvPr>
@@ -7760,34 +8298,283 @@
         </p:nvSpPr>
         <p:spPr>
           <a:xfrm>
-            <a:off x="5764001" y="2310140"/>
-            <a:ext cx="3318537" cy="523220"/>
+            <a:off x="457199" y="272926"/>
+            <a:ext cx="8229600" cy="371400"/>
           </a:xfrm>
           <a:prstGeom prst="rect">
             <a:avLst/>
           </a:prstGeom>
           <a:noFill/>
+          <a:ln>
+            <a:noFill/>
+          </a:ln>
         </p:spPr>
         <p:txBody>
-          <a:bodyPr wrap="none" rtlCol="0">
-            <a:spAutoFit/>
+          <a:bodyPr spcFirstLastPara="1" wrap="square" lIns="91425" tIns="91425" rIns="91425" bIns="91425" anchor="ctr" anchorCtr="0">
+            <a:noAutofit/>
           </a:bodyPr>
-          <a:lstStyle/>
+          <a:lstStyle>
+            <a:defPPr marR="0" lvl="0" algn="l" rtl="0">
+              <a:lnSpc>
+                <a:spcPct val="100000"/>
+              </a:lnSpc>
+              <a:spcBef>
+                <a:spcPts val="0"/>
+              </a:spcBef>
+              <a:spcAft>
+                <a:spcPts val="0"/>
+              </a:spcAft>
+            </a:defPPr>
+            <a:lvl1pPr marR="0" lvl="0" algn="ctr" rtl="0">
+              <a:lnSpc>
+                <a:spcPct val="100000"/>
+              </a:lnSpc>
+              <a:spcBef>
+                <a:spcPts val="0"/>
+              </a:spcBef>
+              <a:spcAft>
+                <a:spcPts val="0"/>
+              </a:spcAft>
+              <a:buClr>
+                <a:schemeClr val="dk1"/>
+              </a:buClr>
+              <a:buSzPts val="2800"/>
+              <a:buFont typeface="Fira Sans Extra Condensed"/>
+              <a:buNone/>
+              <a:defRPr sz="2800" b="1" i="0" u="none" strike="noStrike" cap="none">
+                <a:solidFill>
+                  <a:schemeClr val="dk1"/>
+                </a:solidFill>
+                <a:latin typeface="Fira Sans Extra Condensed"/>
+                <a:ea typeface="Fira Sans Extra Condensed"/>
+                <a:cs typeface="Fira Sans Extra Condensed"/>
+                <a:sym typeface="Fira Sans Extra Condensed"/>
+              </a:defRPr>
+            </a:lvl1pPr>
+            <a:lvl2pPr marR="0" lvl="1" algn="l" rtl="0">
+              <a:lnSpc>
+                <a:spcPct val="100000"/>
+              </a:lnSpc>
+              <a:spcBef>
+                <a:spcPts val="0"/>
+              </a:spcBef>
+              <a:spcAft>
+                <a:spcPts val="0"/>
+              </a:spcAft>
+              <a:buClr>
+                <a:schemeClr val="dk1"/>
+              </a:buClr>
+              <a:buSzPts val="2800"/>
+              <a:buFont typeface="Fira Sans Extra Condensed"/>
+              <a:buNone/>
+              <a:defRPr sz="2800" b="1" i="0" u="none" strike="noStrike" cap="none">
+                <a:solidFill>
+                  <a:schemeClr val="dk1"/>
+                </a:solidFill>
+                <a:latin typeface="Fira Sans Extra Condensed"/>
+                <a:ea typeface="Fira Sans Extra Condensed"/>
+                <a:cs typeface="Fira Sans Extra Condensed"/>
+                <a:sym typeface="Fira Sans Extra Condensed"/>
+              </a:defRPr>
+            </a:lvl2pPr>
+            <a:lvl3pPr marR="0" lvl="2" algn="l" rtl="0">
+              <a:lnSpc>
+                <a:spcPct val="100000"/>
+              </a:lnSpc>
+              <a:spcBef>
+                <a:spcPts val="0"/>
+              </a:spcBef>
+              <a:spcAft>
+                <a:spcPts val="0"/>
+              </a:spcAft>
+              <a:buClr>
+                <a:schemeClr val="dk1"/>
+              </a:buClr>
+              <a:buSzPts val="2800"/>
+              <a:buFont typeface="Fira Sans Extra Condensed"/>
+              <a:buNone/>
+              <a:defRPr sz="2800" b="1" i="0" u="none" strike="noStrike" cap="none">
+                <a:solidFill>
+                  <a:schemeClr val="dk1"/>
+                </a:solidFill>
+                <a:latin typeface="Fira Sans Extra Condensed"/>
+                <a:ea typeface="Fira Sans Extra Condensed"/>
+                <a:cs typeface="Fira Sans Extra Condensed"/>
+                <a:sym typeface="Fira Sans Extra Condensed"/>
+              </a:defRPr>
+            </a:lvl3pPr>
+            <a:lvl4pPr marR="0" lvl="3" algn="l" rtl="0">
+              <a:lnSpc>
+                <a:spcPct val="100000"/>
+              </a:lnSpc>
+              <a:spcBef>
+                <a:spcPts val="0"/>
+              </a:spcBef>
+              <a:spcAft>
+                <a:spcPts val="0"/>
+              </a:spcAft>
+              <a:buClr>
+                <a:schemeClr val="dk1"/>
+              </a:buClr>
+              <a:buSzPts val="2800"/>
+              <a:buFont typeface="Fira Sans Extra Condensed"/>
+              <a:buNone/>
+              <a:defRPr sz="2800" b="1" i="0" u="none" strike="noStrike" cap="none">
+                <a:solidFill>
+                  <a:schemeClr val="dk1"/>
+                </a:solidFill>
+                <a:latin typeface="Fira Sans Extra Condensed"/>
+                <a:ea typeface="Fira Sans Extra Condensed"/>
+                <a:cs typeface="Fira Sans Extra Condensed"/>
+                <a:sym typeface="Fira Sans Extra Condensed"/>
+              </a:defRPr>
+            </a:lvl4pPr>
+            <a:lvl5pPr marR="0" lvl="4" algn="l" rtl="0">
+              <a:lnSpc>
+                <a:spcPct val="100000"/>
+              </a:lnSpc>
+              <a:spcBef>
+                <a:spcPts val="0"/>
+              </a:spcBef>
+              <a:spcAft>
+                <a:spcPts val="0"/>
+              </a:spcAft>
+              <a:buClr>
+                <a:schemeClr val="dk1"/>
+              </a:buClr>
+              <a:buSzPts val="2800"/>
+              <a:buFont typeface="Fira Sans Extra Condensed"/>
+              <a:buNone/>
+              <a:defRPr sz="2800" b="1" i="0" u="none" strike="noStrike" cap="none">
+                <a:solidFill>
+                  <a:schemeClr val="dk1"/>
+                </a:solidFill>
+                <a:latin typeface="Fira Sans Extra Condensed"/>
+                <a:ea typeface="Fira Sans Extra Condensed"/>
+                <a:cs typeface="Fira Sans Extra Condensed"/>
+                <a:sym typeface="Fira Sans Extra Condensed"/>
+              </a:defRPr>
+            </a:lvl5pPr>
+            <a:lvl6pPr marR="0" lvl="5" algn="l" rtl="0">
+              <a:lnSpc>
+                <a:spcPct val="100000"/>
+              </a:lnSpc>
+              <a:spcBef>
+                <a:spcPts val="0"/>
+              </a:spcBef>
+              <a:spcAft>
+                <a:spcPts val="0"/>
+              </a:spcAft>
+              <a:buClr>
+                <a:schemeClr val="dk1"/>
+              </a:buClr>
+              <a:buSzPts val="2800"/>
+              <a:buFont typeface="Fira Sans Extra Condensed"/>
+              <a:buNone/>
+              <a:defRPr sz="2800" b="1" i="0" u="none" strike="noStrike" cap="none">
+                <a:solidFill>
+                  <a:schemeClr val="dk1"/>
+                </a:solidFill>
+                <a:latin typeface="Fira Sans Extra Condensed"/>
+                <a:ea typeface="Fira Sans Extra Condensed"/>
+                <a:cs typeface="Fira Sans Extra Condensed"/>
+                <a:sym typeface="Fira Sans Extra Condensed"/>
+              </a:defRPr>
+            </a:lvl6pPr>
+            <a:lvl7pPr marR="0" lvl="6" algn="l" rtl="0">
+              <a:lnSpc>
+                <a:spcPct val="100000"/>
+              </a:lnSpc>
+              <a:spcBef>
+                <a:spcPts val="0"/>
+              </a:spcBef>
+              <a:spcAft>
+                <a:spcPts val="0"/>
+              </a:spcAft>
+              <a:buClr>
+                <a:schemeClr val="dk1"/>
+              </a:buClr>
+              <a:buSzPts val="2800"/>
+              <a:buFont typeface="Fira Sans Extra Condensed"/>
+              <a:buNone/>
+              <a:defRPr sz="2800" b="1" i="0" u="none" strike="noStrike" cap="none">
+                <a:solidFill>
+                  <a:schemeClr val="dk1"/>
+                </a:solidFill>
+                <a:latin typeface="Fira Sans Extra Condensed"/>
+                <a:ea typeface="Fira Sans Extra Condensed"/>
+                <a:cs typeface="Fira Sans Extra Condensed"/>
+                <a:sym typeface="Fira Sans Extra Condensed"/>
+              </a:defRPr>
+            </a:lvl7pPr>
+            <a:lvl8pPr marR="0" lvl="7" algn="l" rtl="0">
+              <a:lnSpc>
+                <a:spcPct val="100000"/>
+              </a:lnSpc>
+              <a:spcBef>
+                <a:spcPts val="0"/>
+              </a:spcBef>
+              <a:spcAft>
+                <a:spcPts val="0"/>
+              </a:spcAft>
+              <a:buClr>
+                <a:schemeClr val="dk1"/>
+              </a:buClr>
+              <a:buSzPts val="2800"/>
+              <a:buFont typeface="Fira Sans Extra Condensed"/>
+              <a:buNone/>
+              <a:defRPr sz="2800" b="1" i="0" u="none" strike="noStrike" cap="none">
+                <a:solidFill>
+                  <a:schemeClr val="dk1"/>
+                </a:solidFill>
+                <a:latin typeface="Fira Sans Extra Condensed"/>
+                <a:ea typeface="Fira Sans Extra Condensed"/>
+                <a:cs typeface="Fira Sans Extra Condensed"/>
+                <a:sym typeface="Fira Sans Extra Condensed"/>
+              </a:defRPr>
+            </a:lvl8pPr>
+            <a:lvl9pPr marR="0" lvl="8" algn="l" rtl="0">
+              <a:lnSpc>
+                <a:spcPct val="100000"/>
+              </a:lnSpc>
+              <a:spcBef>
+                <a:spcPts val="0"/>
+              </a:spcBef>
+              <a:spcAft>
+                <a:spcPts val="0"/>
+              </a:spcAft>
+              <a:buClr>
+                <a:schemeClr val="dk1"/>
+              </a:buClr>
+              <a:buSzPts val="2800"/>
+              <a:buFont typeface="Fira Sans Extra Condensed"/>
+              <a:buNone/>
+              <a:defRPr sz="2800" b="1" i="0" u="none" strike="noStrike" cap="none">
+                <a:solidFill>
+                  <a:schemeClr val="dk1"/>
+                </a:solidFill>
+                <a:latin typeface="Fira Sans Extra Condensed"/>
+                <a:ea typeface="Fira Sans Extra Condensed"/>
+                <a:cs typeface="Fira Sans Extra Condensed"/>
+                <a:sym typeface="Fira Sans Extra Condensed"/>
+              </a:defRPr>
+            </a:lvl9pPr>
+          </a:lstStyle>
           <a:p>
             <a:r>
-              <a:rPr lang="en-US" sz="2800" b="1" dirty="0" err="1"/>
-              <a:t>Schmerzlinderung</a:t>
-            </a:r>
-            <a:endParaRPr lang="de-DE" sz="2400" b="1" dirty="0"/>
+              <a:rPr lang="en" dirty="0"/>
+              <a:t>Quellen</a:t>
+            </a:r>
+            <a:endParaRPr lang="de-DE" dirty="0"/>
           </a:p>
         </p:txBody>
       </p:sp>
       <p:sp>
         <p:nvSpPr>
-          <p:cNvPr id="10" name="Textfeld 9">
+          <p:cNvPr id="13" name="Textfeld 12">
             <a:extLst>
               <a:ext uri="{FF2B5EF4-FFF2-40B4-BE49-F238E27FC236}">
-                <a16:creationId xmlns:a16="http://schemas.microsoft.com/office/drawing/2014/main" id="{4D9B9C2D-AF48-B096-5C8A-9A47F969BD25}"/>
+                <a16:creationId xmlns:a16="http://schemas.microsoft.com/office/drawing/2014/main" id="{CB4A1E12-E542-ED4F-CE3F-F0691FDE751B}"/>
               </a:ext>
             </a:extLst>
           </p:cNvPr>
@@ -7796,8 +8583,8 @@
         </p:nvSpPr>
         <p:spPr>
           <a:xfrm>
-            <a:off x="138402" y="2310140"/>
-            <a:ext cx="3241593" cy="523220"/>
+            <a:off x="0" y="1674182"/>
+            <a:ext cx="4572000" cy="307777"/>
           </a:xfrm>
           <a:prstGeom prst="rect">
             <a:avLst/>
@@ -7805,105 +8592,269 @@
           <a:noFill/>
         </p:spPr>
         <p:txBody>
-          <a:bodyPr wrap="none" rtlCol="0">
+          <a:bodyPr wrap="square">
             <a:spAutoFit/>
           </a:bodyPr>
           <a:lstStyle/>
           <a:p>
             <a:r>
-              <a:rPr lang="en-US" sz="2800" b="1" dirty="0" err="1"/>
-              <a:t>Krebsbehandlung</a:t>
-            </a:r>
-            <a:endParaRPr lang="de-DE" sz="2800" b="1" dirty="0"/>
+              <a:rPr lang="de-DE" dirty="0"/>
+              <a:t>https://www.biologie-seite.de/Biologie/Tetrodotoxin</a:t>
+            </a:r>
           </a:p>
         </p:txBody>
       </p:sp>
-      <p:cxnSp>
-        <p:nvCxnSpPr>
-          <p:cNvPr id="5" name="Gerade Verbindung mit Pfeil 4">
+      <p:sp>
+        <p:nvSpPr>
+          <p:cNvPr id="15" name="Textfeld 14">
             <a:extLst>
               <a:ext uri="{FF2B5EF4-FFF2-40B4-BE49-F238E27FC236}">
-                <a16:creationId xmlns:a16="http://schemas.microsoft.com/office/drawing/2014/main" id="{D4988BB6-EFA8-FDEA-E849-B10936FAF9F4}"/>
+                <a16:creationId xmlns:a16="http://schemas.microsoft.com/office/drawing/2014/main" id="{BD7CB365-0677-52C9-04DF-029481E05592}"/>
               </a:ext>
             </a:extLst>
           </p:cNvPr>
-          <p:cNvCxnSpPr>
-            <a:stCxn id="4" idx="2"/>
-            <a:endCxn id="10" idx="3"/>
-          </p:cNvCxnSpPr>
+          <p:cNvSpPr txBox="1"/>
           <p:nvPr/>
-        </p:nvCxnSpPr>
+        </p:nvSpPr>
         <p:spPr>
-          <a:xfrm flipH="1">
-            <a:off x="3379995" y="2571750"/>
-            <a:ext cx="422859" cy="0"/>
+          <a:xfrm>
+            <a:off x="-18993" y="2179586"/>
+            <a:ext cx="4572000" cy="523220"/>
           </a:xfrm>
-          <a:prstGeom prst="straightConnector1">
+          <a:prstGeom prst="rect">
             <a:avLst/>
           </a:prstGeom>
-          <a:ln w="25400">
-            <a:tailEnd type="triangle"/>
-          </a:ln>
+          <a:noFill/>
         </p:spPr>
-        <p:style>
-          <a:lnRef idx="1">
-            <a:schemeClr val="accent1"/>
-          </a:lnRef>
-          <a:fillRef idx="0">
-            <a:schemeClr val="accent1"/>
-          </a:fillRef>
-          <a:effectRef idx="0">
-            <a:schemeClr val="accent1"/>
-          </a:effectRef>
-          <a:fontRef idx="minor">
-            <a:schemeClr val="tx1"/>
-          </a:fontRef>
-        </p:style>
-      </p:cxnSp>
-      <p:cxnSp>
-        <p:nvCxnSpPr>
-          <p:cNvPr id="6" name="Gerade Verbindung mit Pfeil 5">
+        <p:txBody>
+          <a:bodyPr wrap="square">
+            <a:spAutoFit/>
+          </a:bodyPr>
+          <a:lstStyle/>
+          <a:p>
+            <a:r>
+              <a:rPr lang="de-DE" dirty="0"/>
+              <a:t>https://www.tierchenwelt.de/barschartige/3952-kugelfisch.html</a:t>
+            </a:r>
+          </a:p>
+        </p:txBody>
+      </p:sp>
+      <p:sp>
+        <p:nvSpPr>
+          <p:cNvPr id="17" name="Textfeld 16">
             <a:extLst>
               <a:ext uri="{FF2B5EF4-FFF2-40B4-BE49-F238E27FC236}">
-                <a16:creationId xmlns:a16="http://schemas.microsoft.com/office/drawing/2014/main" id="{0DC1F787-FF74-3FCC-612F-1A5F88ED588D}"/>
+                <a16:creationId xmlns:a16="http://schemas.microsoft.com/office/drawing/2014/main" id="{020A5573-EC38-0D3E-DBD2-8AD78EB94379}"/>
               </a:ext>
             </a:extLst>
           </p:cNvPr>
-          <p:cNvCxnSpPr>
-            <a:cxnSpLocks/>
-            <a:stCxn id="4" idx="6"/>
-            <a:endCxn id="9" idx="1"/>
-          </p:cNvCxnSpPr>
+          <p:cNvSpPr txBox="1"/>
           <p:nvPr/>
-        </p:nvCxnSpPr>
+        </p:nvSpPr>
         <p:spPr>
           <a:xfrm>
-            <a:off x="5341142" y="2571750"/>
-            <a:ext cx="422859" cy="0"/>
+            <a:off x="0" y="789922"/>
+            <a:ext cx="4572000" cy="738664"/>
           </a:xfrm>
-          <a:prstGeom prst="straightConnector1">
+          <a:prstGeom prst="rect">
             <a:avLst/>
           </a:prstGeom>
-          <a:ln w="25400">
-            <a:tailEnd type="triangle"/>
-          </a:ln>
+          <a:noFill/>
         </p:spPr>
-        <p:style>
-          <a:lnRef idx="1">
-            <a:schemeClr val="accent1"/>
-          </a:lnRef>
-          <a:fillRef idx="0">
-            <a:schemeClr val="accent1"/>
-          </a:fillRef>
-          <a:effectRef idx="0">
-            <a:schemeClr val="accent1"/>
-          </a:effectRef>
-          <a:fontRef idx="minor">
-            <a:schemeClr val="tx1"/>
-          </a:fontRef>
-        </p:style>
-      </p:cxnSp>
+        <p:txBody>
+          <a:bodyPr wrap="square">
+            <a:spAutoFit/>
+          </a:bodyPr>
+          <a:lstStyle/>
+          <a:p>
+            <a:r>
+              <a:rPr lang="de-DE" dirty="0"/>
+              <a:t>https://www.mdpi.com/toxins/toxins-14-00576/article_deploy/html/images/toxins-14-00576-g001.png</a:t>
+            </a:r>
+          </a:p>
+        </p:txBody>
+      </p:sp>
+      <p:sp>
+        <p:nvSpPr>
+          <p:cNvPr id="19" name="Textfeld 18">
+            <a:extLst>
+              <a:ext uri="{FF2B5EF4-FFF2-40B4-BE49-F238E27FC236}">
+                <a16:creationId xmlns:a16="http://schemas.microsoft.com/office/drawing/2014/main" id="{CD91C893-8F52-CFB3-F21E-CBC21DB0DE50}"/>
+              </a:ext>
+            </a:extLst>
+          </p:cNvPr>
+          <p:cNvSpPr txBox="1"/>
+          <p:nvPr/>
+        </p:nvSpPr>
+        <p:spPr>
+          <a:xfrm>
+            <a:off x="-5051" y="2936460"/>
+            <a:ext cx="4572000" cy="307777"/>
+          </a:xfrm>
+          <a:prstGeom prst="rect">
+            <a:avLst/>
+          </a:prstGeom>
+          <a:noFill/>
+        </p:spPr>
+        <p:txBody>
+          <a:bodyPr wrap="square">
+            <a:spAutoFit/>
+          </a:bodyPr>
+          <a:lstStyle/>
+          <a:p>
+            <a:r>
+              <a:rPr lang="de-DE" dirty="0"/>
+              <a:t>https://flexikon.doccheck.com/de/Tetrodotoxin</a:t>
+            </a:r>
+          </a:p>
+        </p:txBody>
+      </p:sp>
+      <p:sp>
+        <p:nvSpPr>
+          <p:cNvPr id="21" name="Textfeld 20">
+            <a:extLst>
+              <a:ext uri="{FF2B5EF4-FFF2-40B4-BE49-F238E27FC236}">
+                <a16:creationId xmlns:a16="http://schemas.microsoft.com/office/drawing/2014/main" id="{C939947D-6119-9774-4BA4-C9D7BE392614}"/>
+              </a:ext>
+            </a:extLst>
+          </p:cNvPr>
+          <p:cNvSpPr txBox="1"/>
+          <p:nvPr/>
+        </p:nvSpPr>
+        <p:spPr>
+          <a:xfrm>
+            <a:off x="-18993" y="3748852"/>
+            <a:ext cx="4572000" cy="738664"/>
+          </a:xfrm>
+          <a:prstGeom prst="rect">
+            <a:avLst/>
+          </a:prstGeom>
+          <a:noFill/>
+        </p:spPr>
+        <p:txBody>
+          <a:bodyPr wrap="square">
+            <a:spAutoFit/>
+          </a:bodyPr>
+          <a:lstStyle/>
+          <a:p>
+            <a:r>
+              <a:rPr lang="de-DE" dirty="0"/>
+              <a:t>https://www.mdpi.com/marinedrugs/marinedrugs-10-00281/article_deploy/html/images/marinedrugs-10-00281-g002.png</a:t>
+            </a:r>
+          </a:p>
+        </p:txBody>
+      </p:sp>
+      <p:sp>
+        <p:nvSpPr>
+          <p:cNvPr id="25" name="Textfeld 24">
+            <a:extLst>
+              <a:ext uri="{FF2B5EF4-FFF2-40B4-BE49-F238E27FC236}">
+                <a16:creationId xmlns:a16="http://schemas.microsoft.com/office/drawing/2014/main" id="{B8DA6C50-E691-909F-4AD2-FC2F0BEA4174}"/>
+              </a:ext>
+            </a:extLst>
+          </p:cNvPr>
+          <p:cNvSpPr txBox="1"/>
+          <p:nvPr/>
+        </p:nvSpPr>
+        <p:spPr>
+          <a:xfrm>
+            <a:off x="4187133" y="1616304"/>
+            <a:ext cx="4572000" cy="523220"/>
+          </a:xfrm>
+          <a:prstGeom prst="rect">
+            <a:avLst/>
+          </a:prstGeom>
+          <a:noFill/>
+        </p:spPr>
+        <p:txBody>
+          <a:bodyPr wrap="square">
+            <a:spAutoFit/>
+          </a:bodyPr>
+          <a:lstStyle/>
+          <a:p>
+            <a:r>
+              <a:rPr lang="de-DE" dirty="0"/>
+              <a:t>https://scienceblogs.de/meertext/files/2014/01/dolphin-pufferfish.gif</a:t>
+            </a:r>
+          </a:p>
+        </p:txBody>
+      </p:sp>
+      <p:sp>
+        <p:nvSpPr>
+          <p:cNvPr id="27" name="Textfeld 26">
+            <a:extLst>
+              <a:ext uri="{FF2B5EF4-FFF2-40B4-BE49-F238E27FC236}">
+                <a16:creationId xmlns:a16="http://schemas.microsoft.com/office/drawing/2014/main" id="{0601A299-58FF-BE33-FFF0-F6F7F9F5005A}"/>
+              </a:ext>
+            </a:extLst>
+          </p:cNvPr>
+          <p:cNvSpPr txBox="1"/>
+          <p:nvPr/>
+        </p:nvSpPr>
+        <p:spPr>
+          <a:xfrm>
+            <a:off x="4187133" y="2426369"/>
+            <a:ext cx="4572000" cy="954107"/>
+          </a:xfrm>
+          <a:prstGeom prst="rect">
+            <a:avLst/>
+          </a:prstGeom>
+          <a:noFill/>
+        </p:spPr>
+        <p:txBody>
+          <a:bodyPr wrap="square">
+            <a:spAutoFit/>
+          </a:bodyPr>
+          <a:lstStyle/>
+          <a:p>
+            <a:r>
+              <a:rPr lang="de-DE" dirty="0"/>
+              <a:t>https://www.tierwelt.ch/fileadmin/user_upload/tierwelt/artikel-bilder/import/37ce9244017e0ea3f815f94cff07bf1ae9956281.png</a:t>
+            </a:r>
+          </a:p>
+        </p:txBody>
+      </p:sp>
+      <p:sp>
+        <p:nvSpPr>
+          <p:cNvPr id="29" name="Textfeld 28">
+            <a:extLst>
+              <a:ext uri="{FF2B5EF4-FFF2-40B4-BE49-F238E27FC236}">
+                <a16:creationId xmlns:a16="http://schemas.microsoft.com/office/drawing/2014/main" id="{E8B33898-B2B6-192F-A004-D74C96536724}"/>
+              </a:ext>
+            </a:extLst>
+          </p:cNvPr>
+          <p:cNvSpPr txBox="1"/>
+          <p:nvPr/>
+        </p:nvSpPr>
+        <p:spPr>
+          <a:xfrm>
+            <a:off x="4187133" y="701864"/>
+            <a:ext cx="4984750" cy="738664"/>
+          </a:xfrm>
+          <a:prstGeom prst="rect">
+            <a:avLst/>
+          </a:prstGeom>
+          <a:noFill/>
+        </p:spPr>
+        <p:txBody>
+          <a:bodyPr wrap="square">
+            <a:spAutoFit/>
+          </a:bodyPr>
+          <a:lstStyle/>
+          <a:p>
+            <a:r>
+              <a:rPr lang="de-DE" dirty="0"/>
+              <a:t>https://www.dailymail.co.uk/sciencetech/article-2530664/High-not-dry-Dolphins-filmed-chewing-toxic-puffer-fish-enjoy-narcotic-like-effects.html</a:t>
+            </a:r>
+          </a:p>
+        </p:txBody>
+      </p:sp>
     </p:spTree>
+    <p:extLst>
+      <p:ext uri="{BB962C8B-B14F-4D97-AF65-F5344CB8AC3E}">
+        <p14:creationId xmlns:p14="http://schemas.microsoft.com/office/powerpoint/2010/main" val="2060048862"/>
+      </p:ext>
+    </p:extLst>
   </p:cSld>
   <p:clrMapOvr>
     <a:masterClrMapping/>
@@ -12221,6 +13172,384 @@
   <p:clrMapOvr>
     <a:masterClrMapping/>
   </p:clrMapOvr>
+  <p:timing>
+    <p:tnLst>
+      <p:par>
+        <p:cTn id="1" dur="indefinite" restart="never" nodeType="tmRoot">
+          <p:childTnLst>
+            <p:seq concurrent="1" nextAc="seek">
+              <p:cTn id="2" dur="indefinite" nodeType="mainSeq">
+                <p:childTnLst>
+                  <p:par>
+                    <p:cTn id="3" fill="hold">
+                      <p:stCondLst>
+                        <p:cond delay="indefinite"/>
+                      </p:stCondLst>
+                      <p:childTnLst>
+                        <p:par>
+                          <p:cTn id="4" fill="hold">
+                            <p:stCondLst>
+                              <p:cond delay="0"/>
+                            </p:stCondLst>
+                            <p:childTnLst>
+                              <p:par>
+                                <p:cTn id="5" presetID="22" presetClass="entr" presetSubtype="8" fill="hold" nodeType="clickEffect">
+                                  <p:stCondLst>
+                                    <p:cond delay="0"/>
+                                  </p:stCondLst>
+                                  <p:childTnLst>
+                                    <p:set>
+                                      <p:cBhvr>
+                                        <p:cTn id="6" dur="1" fill="hold">
+                                          <p:stCondLst>
+                                            <p:cond delay="0"/>
+                                          </p:stCondLst>
+                                        </p:cTn>
+                                        <p:tgtEl>
+                                          <p:spTgt spid="22"/>
+                                        </p:tgtEl>
+                                        <p:attrNameLst>
+                                          <p:attrName>style.visibility</p:attrName>
+                                        </p:attrNameLst>
+                                      </p:cBhvr>
+                                      <p:to>
+                                        <p:strVal val="visible"/>
+                                      </p:to>
+                                    </p:set>
+                                    <p:animEffect transition="in" filter="wipe(left)">
+                                      <p:cBhvr>
+                                        <p:cTn id="7" dur="500"/>
+                                        <p:tgtEl>
+                                          <p:spTgt spid="22"/>
+                                        </p:tgtEl>
+                                      </p:cBhvr>
+                                    </p:animEffect>
+                                  </p:childTnLst>
+                                </p:cTn>
+                              </p:par>
+                            </p:childTnLst>
+                          </p:cTn>
+                        </p:par>
+                      </p:childTnLst>
+                    </p:cTn>
+                  </p:par>
+                  <p:par>
+                    <p:cTn id="8" fill="hold">
+                      <p:stCondLst>
+                        <p:cond delay="indefinite"/>
+                      </p:stCondLst>
+                      <p:childTnLst>
+                        <p:par>
+                          <p:cTn id="9" fill="hold">
+                            <p:stCondLst>
+                              <p:cond delay="0"/>
+                            </p:stCondLst>
+                            <p:childTnLst>
+                              <p:par>
+                                <p:cTn id="10" presetID="22" presetClass="entr" presetSubtype="8" fill="hold" grpId="0" nodeType="clickEffect">
+                                  <p:stCondLst>
+                                    <p:cond delay="0"/>
+                                  </p:stCondLst>
+                                  <p:childTnLst>
+                                    <p:set>
+                                      <p:cBhvr>
+                                        <p:cTn id="11" dur="1" fill="hold">
+                                          <p:stCondLst>
+                                            <p:cond delay="0"/>
+                                          </p:stCondLst>
+                                        </p:cTn>
+                                        <p:tgtEl>
+                                          <p:spTgt spid="13"/>
+                                        </p:tgtEl>
+                                        <p:attrNameLst>
+                                          <p:attrName>style.visibility</p:attrName>
+                                        </p:attrNameLst>
+                                      </p:cBhvr>
+                                      <p:to>
+                                        <p:strVal val="visible"/>
+                                      </p:to>
+                                    </p:set>
+                                    <p:animEffect transition="in" filter="wipe(left)">
+                                      <p:cBhvr>
+                                        <p:cTn id="12" dur="500"/>
+                                        <p:tgtEl>
+                                          <p:spTgt spid="13"/>
+                                        </p:tgtEl>
+                                      </p:cBhvr>
+                                    </p:animEffect>
+                                  </p:childTnLst>
+                                </p:cTn>
+                              </p:par>
+                            </p:childTnLst>
+                          </p:cTn>
+                        </p:par>
+                      </p:childTnLst>
+                    </p:cTn>
+                  </p:par>
+                  <p:par>
+                    <p:cTn id="13" fill="hold">
+                      <p:stCondLst>
+                        <p:cond delay="indefinite"/>
+                      </p:stCondLst>
+                      <p:childTnLst>
+                        <p:par>
+                          <p:cTn id="14" fill="hold">
+                            <p:stCondLst>
+                              <p:cond delay="0"/>
+                            </p:stCondLst>
+                            <p:childTnLst>
+                              <p:par>
+                                <p:cTn id="15" presetID="22" presetClass="entr" presetSubtype="8" fill="hold" grpId="0" nodeType="clickEffect">
+                                  <p:stCondLst>
+                                    <p:cond delay="0"/>
+                                  </p:stCondLst>
+                                  <p:childTnLst>
+                                    <p:set>
+                                      <p:cBhvr>
+                                        <p:cTn id="16" dur="1" fill="hold">
+                                          <p:stCondLst>
+                                            <p:cond delay="0"/>
+                                          </p:stCondLst>
+                                        </p:cTn>
+                                        <p:tgtEl>
+                                          <p:spTgt spid="14"/>
+                                        </p:tgtEl>
+                                        <p:attrNameLst>
+                                          <p:attrName>style.visibility</p:attrName>
+                                        </p:attrNameLst>
+                                      </p:cBhvr>
+                                      <p:to>
+                                        <p:strVal val="visible"/>
+                                      </p:to>
+                                    </p:set>
+                                    <p:animEffect transition="in" filter="wipe(left)">
+                                      <p:cBhvr>
+                                        <p:cTn id="17" dur="500"/>
+                                        <p:tgtEl>
+                                          <p:spTgt spid="14"/>
+                                        </p:tgtEl>
+                                      </p:cBhvr>
+                                    </p:animEffect>
+                                  </p:childTnLst>
+                                </p:cTn>
+                              </p:par>
+                            </p:childTnLst>
+                          </p:cTn>
+                        </p:par>
+                      </p:childTnLst>
+                    </p:cTn>
+                  </p:par>
+                  <p:par>
+                    <p:cTn id="18" fill="hold">
+                      <p:stCondLst>
+                        <p:cond delay="indefinite"/>
+                      </p:stCondLst>
+                      <p:childTnLst>
+                        <p:par>
+                          <p:cTn id="19" fill="hold">
+                            <p:stCondLst>
+                              <p:cond delay="0"/>
+                            </p:stCondLst>
+                            <p:childTnLst>
+                              <p:par>
+                                <p:cTn id="20" presetID="22" presetClass="entr" presetSubtype="8" fill="hold" nodeType="clickEffect">
+                                  <p:stCondLst>
+                                    <p:cond delay="0"/>
+                                  </p:stCondLst>
+                                  <p:childTnLst>
+                                    <p:set>
+                                      <p:cBhvr>
+                                        <p:cTn id="21" dur="1" fill="hold">
+                                          <p:stCondLst>
+                                            <p:cond delay="0"/>
+                                          </p:stCondLst>
+                                        </p:cTn>
+                                        <p:tgtEl>
+                                          <p:spTgt spid="33"/>
+                                        </p:tgtEl>
+                                        <p:attrNameLst>
+                                          <p:attrName>style.visibility</p:attrName>
+                                        </p:attrNameLst>
+                                      </p:cBhvr>
+                                      <p:to>
+                                        <p:strVal val="visible"/>
+                                      </p:to>
+                                    </p:set>
+                                    <p:animEffect transition="in" filter="wipe(left)">
+                                      <p:cBhvr>
+                                        <p:cTn id="22" dur="500"/>
+                                        <p:tgtEl>
+                                          <p:spTgt spid="33"/>
+                                        </p:tgtEl>
+                                      </p:cBhvr>
+                                    </p:animEffect>
+                                  </p:childTnLst>
+                                </p:cTn>
+                              </p:par>
+                            </p:childTnLst>
+                          </p:cTn>
+                        </p:par>
+                        <p:par>
+                          <p:cTn id="23" fill="hold">
+                            <p:stCondLst>
+                              <p:cond delay="500"/>
+                            </p:stCondLst>
+                            <p:childTnLst>
+                              <p:par>
+                                <p:cTn id="24" presetID="22" presetClass="entr" presetSubtype="8" fill="hold" nodeType="afterEffect">
+                                  <p:stCondLst>
+                                    <p:cond delay="0"/>
+                                  </p:stCondLst>
+                                  <p:childTnLst>
+                                    <p:set>
+                                      <p:cBhvr>
+                                        <p:cTn id="25" dur="1" fill="hold">
+                                          <p:stCondLst>
+                                            <p:cond delay="0"/>
+                                          </p:stCondLst>
+                                        </p:cTn>
+                                        <p:tgtEl>
+                                          <p:spTgt spid="36"/>
+                                        </p:tgtEl>
+                                        <p:attrNameLst>
+                                          <p:attrName>style.visibility</p:attrName>
+                                        </p:attrNameLst>
+                                      </p:cBhvr>
+                                      <p:to>
+                                        <p:strVal val="visible"/>
+                                      </p:to>
+                                    </p:set>
+                                    <p:animEffect transition="in" filter="wipe(left)">
+                                      <p:cBhvr>
+                                        <p:cTn id="26" dur="500"/>
+                                        <p:tgtEl>
+                                          <p:spTgt spid="36"/>
+                                        </p:tgtEl>
+                                      </p:cBhvr>
+                                    </p:animEffect>
+                                  </p:childTnLst>
+                                </p:cTn>
+                              </p:par>
+                              <p:par>
+                                <p:cTn id="27" presetID="22" presetClass="entr" presetSubtype="8" fill="hold" nodeType="withEffect">
+                                  <p:stCondLst>
+                                    <p:cond delay="0"/>
+                                  </p:stCondLst>
+                                  <p:childTnLst>
+                                    <p:set>
+                                      <p:cBhvr>
+                                        <p:cTn id="28" dur="1" fill="hold">
+                                          <p:stCondLst>
+                                            <p:cond delay="0"/>
+                                          </p:stCondLst>
+                                        </p:cTn>
+                                        <p:tgtEl>
+                                          <p:spTgt spid="35"/>
+                                        </p:tgtEl>
+                                        <p:attrNameLst>
+                                          <p:attrName>style.visibility</p:attrName>
+                                        </p:attrNameLst>
+                                      </p:cBhvr>
+                                      <p:to>
+                                        <p:strVal val="visible"/>
+                                      </p:to>
+                                    </p:set>
+                                    <p:animEffect transition="in" filter="wipe(left)">
+                                      <p:cBhvr>
+                                        <p:cTn id="29" dur="500"/>
+                                        <p:tgtEl>
+                                          <p:spTgt spid="35"/>
+                                        </p:tgtEl>
+                                      </p:cBhvr>
+                                    </p:animEffect>
+                                  </p:childTnLst>
+                                </p:cTn>
+                              </p:par>
+                            </p:childTnLst>
+                          </p:cTn>
+                        </p:par>
+                      </p:childTnLst>
+                    </p:cTn>
+                  </p:par>
+                  <p:par>
+                    <p:cTn id="30" fill="hold">
+                      <p:stCondLst>
+                        <p:cond delay="indefinite"/>
+                      </p:stCondLst>
+                      <p:childTnLst>
+                        <p:par>
+                          <p:cTn id="31" fill="hold">
+                            <p:stCondLst>
+                              <p:cond delay="0"/>
+                            </p:stCondLst>
+                            <p:childTnLst>
+                              <p:par>
+                                <p:cTn id="32" presetID="22" presetClass="entr" presetSubtype="8" fill="hold" nodeType="clickEffect">
+                                  <p:stCondLst>
+                                    <p:cond delay="0"/>
+                                  </p:stCondLst>
+                                  <p:childTnLst>
+                                    <p:set>
+                                      <p:cBhvr>
+                                        <p:cTn id="33" dur="1" fill="hold">
+                                          <p:stCondLst>
+                                            <p:cond delay="0"/>
+                                          </p:stCondLst>
+                                        </p:cTn>
+                                        <p:tgtEl>
+                                          <p:spTgt spid="34"/>
+                                        </p:tgtEl>
+                                        <p:attrNameLst>
+                                          <p:attrName>style.visibility</p:attrName>
+                                        </p:attrNameLst>
+                                      </p:cBhvr>
+                                      <p:to>
+                                        <p:strVal val="visible"/>
+                                      </p:to>
+                                    </p:set>
+                                    <p:animEffect transition="in" filter="wipe(left)">
+                                      <p:cBhvr>
+                                        <p:cTn id="34" dur="500"/>
+                                        <p:tgtEl>
+                                          <p:spTgt spid="34"/>
+                                        </p:tgtEl>
+                                      </p:cBhvr>
+                                    </p:animEffect>
+                                  </p:childTnLst>
+                                </p:cTn>
+                              </p:par>
+                            </p:childTnLst>
+                          </p:cTn>
+                        </p:par>
+                      </p:childTnLst>
+                    </p:cTn>
+                  </p:par>
+                </p:childTnLst>
+              </p:cTn>
+              <p:prevCondLst>
+                <p:cond evt="onPrev" delay="0">
+                  <p:tgtEl>
+                    <p:sldTgt/>
+                  </p:tgtEl>
+                </p:cond>
+              </p:prevCondLst>
+              <p:nextCondLst>
+                <p:cond evt="onNext" delay="0">
+                  <p:tgtEl>
+                    <p:sldTgt/>
+                  </p:tgtEl>
+                </p:cond>
+              </p:nextCondLst>
+            </p:seq>
+          </p:childTnLst>
+        </p:cTn>
+      </p:par>
+    </p:tnLst>
+    <p:bldLst>
+      <p:bldP spid="13" grpId="0" animBg="1"/>
+      <p:bldP spid="14" grpId="0" animBg="1"/>
+    </p:bldLst>
+  </p:timing>
 </p:sld>
 </file>
 
@@ -12736,6 +14065,74 @@
           </a:prstGeom>
         </p:spPr>
       </p:pic>
+      <p:sp>
+        <p:nvSpPr>
+          <p:cNvPr id="6" name="Textfeld 5">
+            <a:extLst>
+              <a:ext uri="{FF2B5EF4-FFF2-40B4-BE49-F238E27FC236}">
+                <a16:creationId xmlns:a16="http://schemas.microsoft.com/office/drawing/2014/main" id="{20F95303-EC10-D135-0D05-0DEEC240EE0E}"/>
+              </a:ext>
+            </a:extLst>
+          </p:cNvPr>
+          <p:cNvSpPr txBox="1"/>
+          <p:nvPr/>
+        </p:nvSpPr>
+        <p:spPr>
+          <a:xfrm>
+            <a:off x="1504812" y="2838033"/>
+            <a:ext cx="3148619" cy="307777"/>
+          </a:xfrm>
+          <a:prstGeom prst="rect">
+            <a:avLst/>
+          </a:prstGeom>
+          <a:noFill/>
+        </p:spPr>
+        <p:txBody>
+          <a:bodyPr wrap="none" rtlCol="0">
+            <a:spAutoFit/>
+          </a:bodyPr>
+          <a:lstStyle/>
+          <a:p>
+            <a:r>
+              <a:rPr lang="en-US" dirty="0">
+                <a:solidFill>
+                  <a:srgbClr val="FFC000"/>
+                </a:solidFill>
+              </a:rPr>
+              <a:t>B) Es </a:t>
+            </a:r>
+            <a:r>
+              <a:rPr lang="en-US" dirty="0" err="1">
+                <a:solidFill>
+                  <a:srgbClr val="FFC000"/>
+                </a:solidFill>
+              </a:rPr>
+              <a:t>sterben</a:t>
+            </a:r>
+            <a:r>
+              <a:rPr lang="en-US" dirty="0">
+                <a:solidFill>
+                  <a:srgbClr val="FFC000"/>
+                </a:solidFill>
+              </a:rPr>
+              <a:t> 75 Menschen pro </a:t>
+            </a:r>
+            <a:r>
+              <a:rPr lang="en-US" dirty="0" err="1">
+                <a:solidFill>
+                  <a:srgbClr val="FFC000"/>
+                </a:solidFill>
+              </a:rPr>
+              <a:t>Jahr</a:t>
+            </a:r>
+            <a:endParaRPr lang="de-DE" dirty="0">
+              <a:solidFill>
+                <a:srgbClr val="FFC000"/>
+              </a:solidFill>
+            </a:endParaRPr>
+          </a:p>
+        </p:txBody>
+      </p:sp>
     </p:spTree>
     <p:extLst>
       <p:ext uri="{BB962C8B-B14F-4D97-AF65-F5344CB8AC3E}">
@@ -12746,6 +14143,254 @@
   <p:clrMapOvr>
     <a:masterClrMapping/>
   </p:clrMapOvr>
+  <p:timing>
+    <p:tnLst>
+      <p:par>
+        <p:cTn id="1" dur="indefinite" restart="never" nodeType="tmRoot">
+          <p:childTnLst>
+            <p:seq concurrent="1" nextAc="seek">
+              <p:cTn id="2" dur="indefinite" nodeType="mainSeq">
+                <p:childTnLst>
+                  <p:par>
+                    <p:cTn id="3" fill="hold">
+                      <p:stCondLst>
+                        <p:cond delay="indefinite"/>
+                      </p:stCondLst>
+                      <p:childTnLst>
+                        <p:par>
+                          <p:cTn id="4" fill="hold">
+                            <p:stCondLst>
+                              <p:cond delay="0"/>
+                            </p:stCondLst>
+                            <p:childTnLst>
+                              <p:par>
+                                <p:cTn id="5" presetID="10" presetClass="entr" presetSubtype="0" fill="hold" grpId="0" nodeType="clickEffect">
+                                  <p:stCondLst>
+                                    <p:cond delay="0"/>
+                                  </p:stCondLst>
+                                  <p:childTnLst>
+                                    <p:set>
+                                      <p:cBhvr>
+                                        <p:cTn id="6" dur="1" fill="hold">
+                                          <p:stCondLst>
+                                            <p:cond delay="0"/>
+                                          </p:stCondLst>
+                                        </p:cTn>
+                                        <p:tgtEl>
+                                          <p:spTgt spid="5"/>
+                                        </p:tgtEl>
+                                        <p:attrNameLst>
+                                          <p:attrName>style.visibility</p:attrName>
+                                        </p:attrNameLst>
+                                      </p:cBhvr>
+                                      <p:to>
+                                        <p:strVal val="visible"/>
+                                      </p:to>
+                                    </p:set>
+                                    <p:animEffect transition="in" filter="fade">
+                                      <p:cBhvr>
+                                        <p:cTn id="7" dur="500"/>
+                                        <p:tgtEl>
+                                          <p:spTgt spid="5"/>
+                                        </p:tgtEl>
+                                      </p:cBhvr>
+                                    </p:animEffect>
+                                  </p:childTnLst>
+                                </p:cTn>
+                              </p:par>
+                            </p:childTnLst>
+                          </p:cTn>
+                        </p:par>
+                      </p:childTnLst>
+                    </p:cTn>
+                  </p:par>
+                  <p:par>
+                    <p:cTn id="8" fill="hold">
+                      <p:stCondLst>
+                        <p:cond delay="indefinite"/>
+                      </p:stCondLst>
+                      <p:childTnLst>
+                        <p:par>
+                          <p:cTn id="9" fill="hold">
+                            <p:stCondLst>
+                              <p:cond delay="0"/>
+                            </p:stCondLst>
+                            <p:childTnLst>
+                              <p:par>
+                                <p:cTn id="10" presetID="10" presetClass="entr" presetSubtype="0" fill="hold" grpId="0" nodeType="clickEffect">
+                                  <p:stCondLst>
+                                    <p:cond delay="0"/>
+                                  </p:stCondLst>
+                                  <p:childTnLst>
+                                    <p:set>
+                                      <p:cBhvr>
+                                        <p:cTn id="11" dur="1" fill="hold">
+                                          <p:stCondLst>
+                                            <p:cond delay="0"/>
+                                          </p:stCondLst>
+                                        </p:cTn>
+                                        <p:tgtEl>
+                                          <p:spTgt spid="4"/>
+                                        </p:tgtEl>
+                                        <p:attrNameLst>
+                                          <p:attrName>style.visibility</p:attrName>
+                                        </p:attrNameLst>
+                                      </p:cBhvr>
+                                      <p:to>
+                                        <p:strVal val="visible"/>
+                                      </p:to>
+                                    </p:set>
+                                    <p:animEffect transition="in" filter="fade">
+                                      <p:cBhvr>
+                                        <p:cTn id="12" dur="500"/>
+                                        <p:tgtEl>
+                                          <p:spTgt spid="4"/>
+                                        </p:tgtEl>
+                                      </p:cBhvr>
+                                    </p:animEffect>
+                                  </p:childTnLst>
+                                </p:cTn>
+                              </p:par>
+                            </p:childTnLst>
+                          </p:cTn>
+                        </p:par>
+                      </p:childTnLst>
+                    </p:cTn>
+                  </p:par>
+                  <p:par>
+                    <p:cTn id="13" fill="hold">
+                      <p:stCondLst>
+                        <p:cond delay="indefinite"/>
+                      </p:stCondLst>
+                      <p:childTnLst>
+                        <p:par>
+                          <p:cTn id="14" fill="hold">
+                            <p:stCondLst>
+                              <p:cond delay="0"/>
+                            </p:stCondLst>
+                            <p:childTnLst>
+                              <p:par>
+                                <p:cTn id="15" presetID="10" presetClass="entr" presetSubtype="0" fill="hold" grpId="0" nodeType="clickEffect">
+                                  <p:stCondLst>
+                                    <p:cond delay="0"/>
+                                  </p:stCondLst>
+                                  <p:childTnLst>
+                                    <p:set>
+                                      <p:cBhvr>
+                                        <p:cTn id="16" dur="1" fill="hold">
+                                          <p:stCondLst>
+                                            <p:cond delay="0"/>
+                                          </p:stCondLst>
+                                        </p:cTn>
+                                        <p:tgtEl>
+                                          <p:spTgt spid="2"/>
+                                        </p:tgtEl>
+                                        <p:attrNameLst>
+                                          <p:attrName>style.visibility</p:attrName>
+                                        </p:attrNameLst>
+                                      </p:cBhvr>
+                                      <p:to>
+                                        <p:strVal val="visible"/>
+                                      </p:to>
+                                    </p:set>
+                                    <p:animEffect transition="in" filter="fade">
+                                      <p:cBhvr>
+                                        <p:cTn id="17" dur="500"/>
+                                        <p:tgtEl>
+                                          <p:spTgt spid="2"/>
+                                        </p:tgtEl>
+                                      </p:cBhvr>
+                                    </p:animEffect>
+                                  </p:childTnLst>
+                                </p:cTn>
+                              </p:par>
+                            </p:childTnLst>
+                          </p:cTn>
+                        </p:par>
+                      </p:childTnLst>
+                    </p:cTn>
+                  </p:par>
+                  <p:par>
+                    <p:cTn id="18" fill="hold">
+                      <p:stCondLst>
+                        <p:cond delay="indefinite"/>
+                      </p:stCondLst>
+                      <p:childTnLst>
+                        <p:par>
+                          <p:cTn id="19" fill="hold">
+                            <p:stCondLst>
+                              <p:cond delay="0"/>
+                            </p:stCondLst>
+                            <p:childTnLst>
+                              <p:par>
+                                <p:cTn id="20" presetID="22" presetClass="entr" presetSubtype="8" fill="hold" grpId="0" nodeType="clickEffect">
+                                  <p:stCondLst>
+                                    <p:cond delay="0"/>
+                                  </p:stCondLst>
+                                  <p:childTnLst>
+                                    <p:set>
+                                      <p:cBhvr>
+                                        <p:cTn id="21" dur="1" fill="hold">
+                                          <p:stCondLst>
+                                            <p:cond delay="0"/>
+                                          </p:stCondLst>
+                                        </p:cTn>
+                                        <p:tgtEl>
+                                          <p:spTgt spid="6"/>
+                                        </p:tgtEl>
+                                        <p:attrNameLst>
+                                          <p:attrName>style.visibility</p:attrName>
+                                        </p:attrNameLst>
+                                      </p:cBhvr>
+                                      <p:to>
+                                        <p:strVal val="visible"/>
+                                      </p:to>
+                                    </p:set>
+                                    <p:animEffect transition="in" filter="wipe(left)">
+                                      <p:cBhvr>
+                                        <p:cTn id="22" dur="500"/>
+                                        <p:tgtEl>
+                                          <p:spTgt spid="6"/>
+                                        </p:tgtEl>
+                                      </p:cBhvr>
+                                    </p:animEffect>
+                                  </p:childTnLst>
+                                </p:cTn>
+                              </p:par>
+                            </p:childTnLst>
+                          </p:cTn>
+                        </p:par>
+                      </p:childTnLst>
+                    </p:cTn>
+                  </p:par>
+                </p:childTnLst>
+              </p:cTn>
+              <p:prevCondLst>
+                <p:cond evt="onPrev" delay="0">
+                  <p:tgtEl>
+                    <p:sldTgt/>
+                  </p:tgtEl>
+                </p:cond>
+              </p:prevCondLst>
+              <p:nextCondLst>
+                <p:cond evt="onNext" delay="0">
+                  <p:tgtEl>
+                    <p:sldTgt/>
+                  </p:tgtEl>
+                </p:cond>
+              </p:nextCondLst>
+            </p:seq>
+          </p:childTnLst>
+        </p:cTn>
+      </p:par>
+    </p:tnLst>
+    <p:bldLst>
+      <p:bldP spid="2" grpId="0"/>
+      <p:bldP spid="4" grpId="0"/>
+      <p:bldP spid="5" grpId="0"/>
+      <p:bldP spid="6" grpId="0"/>
+    </p:bldLst>
+  </p:timing>
 </p:sld>
 </file>
 
@@ -13466,6 +15111,354 @@
   <p:clrMapOvr>
     <a:masterClrMapping/>
   </p:clrMapOvr>
+  <p:timing>
+    <p:tnLst>
+      <p:par>
+        <p:cTn id="1" dur="indefinite" restart="never" nodeType="tmRoot">
+          <p:childTnLst>
+            <p:seq concurrent="1" nextAc="seek">
+              <p:cTn id="2" dur="indefinite" nodeType="mainSeq">
+                <p:childTnLst>
+                  <p:par>
+                    <p:cTn id="3" fill="hold">
+                      <p:stCondLst>
+                        <p:cond delay="indefinite"/>
+                      </p:stCondLst>
+                      <p:childTnLst>
+                        <p:par>
+                          <p:cTn id="4" fill="hold">
+                            <p:stCondLst>
+                              <p:cond delay="0"/>
+                            </p:stCondLst>
+                            <p:childTnLst>
+                              <p:par>
+                                <p:cTn id="5" presetID="22" presetClass="entr" presetSubtype="4" fill="hold" nodeType="clickEffect">
+                                  <p:stCondLst>
+                                    <p:cond delay="0"/>
+                                  </p:stCondLst>
+                                  <p:childTnLst>
+                                    <p:set>
+                                      <p:cBhvr>
+                                        <p:cTn id="6" dur="1" fill="hold">
+                                          <p:stCondLst>
+                                            <p:cond delay="0"/>
+                                          </p:stCondLst>
+                                        </p:cTn>
+                                        <p:tgtEl>
+                                          <p:spTgt spid="63"/>
+                                        </p:tgtEl>
+                                        <p:attrNameLst>
+                                          <p:attrName>style.visibility</p:attrName>
+                                        </p:attrNameLst>
+                                      </p:cBhvr>
+                                      <p:to>
+                                        <p:strVal val="visible"/>
+                                      </p:to>
+                                    </p:set>
+                                    <p:animEffect transition="in" filter="wipe(down)">
+                                      <p:cBhvr>
+                                        <p:cTn id="7" dur="500"/>
+                                        <p:tgtEl>
+                                          <p:spTgt spid="63"/>
+                                        </p:tgtEl>
+                                      </p:cBhvr>
+                                    </p:animEffect>
+                                  </p:childTnLst>
+                                </p:cTn>
+                              </p:par>
+                            </p:childTnLst>
+                          </p:cTn>
+                        </p:par>
+                      </p:childTnLst>
+                    </p:cTn>
+                  </p:par>
+                  <p:par>
+                    <p:cTn id="8" fill="hold">
+                      <p:stCondLst>
+                        <p:cond delay="indefinite"/>
+                      </p:stCondLst>
+                      <p:childTnLst>
+                        <p:par>
+                          <p:cTn id="9" fill="hold">
+                            <p:stCondLst>
+                              <p:cond delay="0"/>
+                            </p:stCondLst>
+                            <p:childTnLst>
+                              <p:par>
+                                <p:cTn id="10" presetID="22" presetClass="entr" presetSubtype="4" fill="hold" nodeType="clickEffect">
+                                  <p:stCondLst>
+                                    <p:cond delay="0"/>
+                                  </p:stCondLst>
+                                  <p:childTnLst>
+                                    <p:set>
+                                      <p:cBhvr>
+                                        <p:cTn id="11" dur="1" fill="hold">
+                                          <p:stCondLst>
+                                            <p:cond delay="0"/>
+                                          </p:stCondLst>
+                                        </p:cTn>
+                                        <p:tgtEl>
+                                          <p:spTgt spid="131"/>
+                                        </p:tgtEl>
+                                        <p:attrNameLst>
+                                          <p:attrName>style.visibility</p:attrName>
+                                        </p:attrNameLst>
+                                      </p:cBhvr>
+                                      <p:to>
+                                        <p:strVal val="visible"/>
+                                      </p:to>
+                                    </p:set>
+                                    <p:animEffect transition="in" filter="wipe(down)">
+                                      <p:cBhvr>
+                                        <p:cTn id="12" dur="500"/>
+                                        <p:tgtEl>
+                                          <p:spTgt spid="131"/>
+                                        </p:tgtEl>
+                                      </p:cBhvr>
+                                    </p:animEffect>
+                                  </p:childTnLst>
+                                </p:cTn>
+                              </p:par>
+                            </p:childTnLst>
+                          </p:cTn>
+                        </p:par>
+                      </p:childTnLst>
+                    </p:cTn>
+                  </p:par>
+                  <p:par>
+                    <p:cTn id="13" fill="hold">
+                      <p:stCondLst>
+                        <p:cond delay="indefinite"/>
+                      </p:stCondLst>
+                      <p:childTnLst>
+                        <p:par>
+                          <p:cTn id="14" fill="hold">
+                            <p:stCondLst>
+                              <p:cond delay="0"/>
+                            </p:stCondLst>
+                            <p:childTnLst>
+                              <p:par>
+                                <p:cTn id="15" presetID="22" presetClass="entr" presetSubtype="4" fill="hold" nodeType="clickEffect">
+                                  <p:stCondLst>
+                                    <p:cond delay="0"/>
+                                  </p:stCondLst>
+                                  <p:childTnLst>
+                                    <p:set>
+                                      <p:cBhvr>
+                                        <p:cTn id="16" dur="1" fill="hold">
+                                          <p:stCondLst>
+                                            <p:cond delay="0"/>
+                                          </p:stCondLst>
+                                        </p:cTn>
+                                        <p:tgtEl>
+                                          <p:spTgt spid="128"/>
+                                        </p:tgtEl>
+                                        <p:attrNameLst>
+                                          <p:attrName>style.visibility</p:attrName>
+                                        </p:attrNameLst>
+                                      </p:cBhvr>
+                                      <p:to>
+                                        <p:strVal val="visible"/>
+                                      </p:to>
+                                    </p:set>
+                                    <p:animEffect transition="in" filter="wipe(down)">
+                                      <p:cBhvr>
+                                        <p:cTn id="17" dur="500"/>
+                                        <p:tgtEl>
+                                          <p:spTgt spid="128"/>
+                                        </p:tgtEl>
+                                      </p:cBhvr>
+                                    </p:animEffect>
+                                  </p:childTnLst>
+                                </p:cTn>
+                              </p:par>
+                            </p:childTnLst>
+                          </p:cTn>
+                        </p:par>
+                      </p:childTnLst>
+                    </p:cTn>
+                  </p:par>
+                  <p:par>
+                    <p:cTn id="18" fill="hold">
+                      <p:stCondLst>
+                        <p:cond delay="indefinite"/>
+                      </p:stCondLst>
+                      <p:childTnLst>
+                        <p:par>
+                          <p:cTn id="19" fill="hold">
+                            <p:stCondLst>
+                              <p:cond delay="0"/>
+                            </p:stCondLst>
+                            <p:childTnLst>
+                              <p:par>
+                                <p:cTn id="20" presetID="22" presetClass="entr" presetSubtype="4" fill="hold" nodeType="clickEffect">
+                                  <p:stCondLst>
+                                    <p:cond delay="0"/>
+                                  </p:stCondLst>
+                                  <p:childTnLst>
+                                    <p:set>
+                                      <p:cBhvr>
+                                        <p:cTn id="21" dur="1" fill="hold">
+                                          <p:stCondLst>
+                                            <p:cond delay="0"/>
+                                          </p:stCondLst>
+                                        </p:cTn>
+                                        <p:tgtEl>
+                                          <p:spTgt spid="132"/>
+                                        </p:tgtEl>
+                                        <p:attrNameLst>
+                                          <p:attrName>style.visibility</p:attrName>
+                                        </p:attrNameLst>
+                                      </p:cBhvr>
+                                      <p:to>
+                                        <p:strVal val="visible"/>
+                                      </p:to>
+                                    </p:set>
+                                    <p:animEffect transition="in" filter="wipe(down)">
+                                      <p:cBhvr>
+                                        <p:cTn id="22" dur="500"/>
+                                        <p:tgtEl>
+                                          <p:spTgt spid="132"/>
+                                        </p:tgtEl>
+                                      </p:cBhvr>
+                                    </p:animEffect>
+                                  </p:childTnLst>
+                                </p:cTn>
+                              </p:par>
+                            </p:childTnLst>
+                          </p:cTn>
+                        </p:par>
+                      </p:childTnLst>
+                    </p:cTn>
+                  </p:par>
+                  <p:par>
+                    <p:cTn id="23" fill="hold">
+                      <p:stCondLst>
+                        <p:cond delay="indefinite"/>
+                      </p:stCondLst>
+                      <p:childTnLst>
+                        <p:par>
+                          <p:cTn id="24" fill="hold">
+                            <p:stCondLst>
+                              <p:cond delay="0"/>
+                            </p:stCondLst>
+                            <p:childTnLst>
+                              <p:par>
+                                <p:cTn id="25" presetID="22" presetClass="entr" presetSubtype="4" fill="hold" nodeType="clickEffect">
+                                  <p:stCondLst>
+                                    <p:cond delay="0"/>
+                                  </p:stCondLst>
+                                  <p:childTnLst>
+                                    <p:set>
+                                      <p:cBhvr>
+                                        <p:cTn id="26" dur="1" fill="hold">
+                                          <p:stCondLst>
+                                            <p:cond delay="0"/>
+                                          </p:stCondLst>
+                                        </p:cTn>
+                                        <p:tgtEl>
+                                          <p:spTgt spid="129"/>
+                                        </p:tgtEl>
+                                        <p:attrNameLst>
+                                          <p:attrName>style.visibility</p:attrName>
+                                        </p:attrNameLst>
+                                      </p:cBhvr>
+                                      <p:to>
+                                        <p:strVal val="visible"/>
+                                      </p:to>
+                                    </p:set>
+                                    <p:animEffect transition="in" filter="wipe(down)">
+                                      <p:cBhvr>
+                                        <p:cTn id="27" dur="500"/>
+                                        <p:tgtEl>
+                                          <p:spTgt spid="129"/>
+                                        </p:tgtEl>
+                                      </p:cBhvr>
+                                    </p:animEffect>
+                                  </p:childTnLst>
+                                </p:cTn>
+                              </p:par>
+                            </p:childTnLst>
+                          </p:cTn>
+                        </p:par>
+                      </p:childTnLst>
+                    </p:cTn>
+                  </p:par>
+                  <p:par>
+                    <p:cTn id="28" fill="hold">
+                      <p:stCondLst>
+                        <p:cond delay="indefinite"/>
+                      </p:stCondLst>
+                      <p:childTnLst>
+                        <p:par>
+                          <p:cTn id="29" fill="hold">
+                            <p:stCondLst>
+                              <p:cond delay="0"/>
+                            </p:stCondLst>
+                            <p:childTnLst>
+                              <p:par>
+                                <p:cTn id="30" presetID="22" presetClass="entr" presetSubtype="4" fill="hold" nodeType="clickEffect">
+                                  <p:stCondLst>
+                                    <p:cond delay="0"/>
+                                  </p:stCondLst>
+                                  <p:childTnLst>
+                                    <p:set>
+                                      <p:cBhvr>
+                                        <p:cTn id="31" dur="1" fill="hold">
+                                          <p:stCondLst>
+                                            <p:cond delay="0"/>
+                                          </p:stCondLst>
+                                        </p:cTn>
+                                        <p:tgtEl>
+                                          <p:spTgt spid="130"/>
+                                        </p:tgtEl>
+                                        <p:attrNameLst>
+                                          <p:attrName>style.visibility</p:attrName>
+                                        </p:attrNameLst>
+                                      </p:cBhvr>
+                                      <p:to>
+                                        <p:strVal val="visible"/>
+                                      </p:to>
+                                    </p:set>
+                                    <p:animEffect transition="in" filter="wipe(down)">
+                                      <p:cBhvr>
+                                        <p:cTn id="32" dur="500"/>
+                                        <p:tgtEl>
+                                          <p:spTgt spid="130"/>
+                                        </p:tgtEl>
+                                      </p:cBhvr>
+                                    </p:animEffect>
+                                  </p:childTnLst>
+                                </p:cTn>
+                              </p:par>
+                            </p:childTnLst>
+                          </p:cTn>
+                        </p:par>
+                      </p:childTnLst>
+                    </p:cTn>
+                  </p:par>
+                </p:childTnLst>
+              </p:cTn>
+              <p:prevCondLst>
+                <p:cond evt="onPrev" delay="0">
+                  <p:tgtEl>
+                    <p:sldTgt/>
+                  </p:tgtEl>
+                </p:cond>
+              </p:prevCondLst>
+              <p:nextCondLst>
+                <p:cond evt="onNext" delay="0">
+                  <p:tgtEl>
+                    <p:sldTgt/>
+                  </p:tgtEl>
+                </p:cond>
+              </p:nextCondLst>
+            </p:seq>
+          </p:childTnLst>
+        </p:cTn>
+      </p:par>
+    </p:tnLst>
+  </p:timing>
 </p:sld>
 </file>
 
@@ -18540,58 +20533,7 @@
           <a:lstStyle/>
           <a:p>
             <a:pPr algn="ctr"/>
-            <a:endParaRPr lang="de-DE"/>
-          </a:p>
-        </p:txBody>
-      </p:sp>
-      <p:sp>
-        <p:nvSpPr>
-          <p:cNvPr id="4" name="Rechteck: diagonal liegende Ecken abgerundet 3">
-            <a:extLst>
-              <a:ext uri="{FF2B5EF4-FFF2-40B4-BE49-F238E27FC236}">
-                <a16:creationId xmlns:a16="http://schemas.microsoft.com/office/drawing/2014/main" id="{3097F3F8-6F69-94B2-0D13-ECC209AC0E2A}"/>
-              </a:ext>
-            </a:extLst>
-          </p:cNvPr>
-          <p:cNvSpPr/>
-          <p:nvPr/>
-        </p:nvSpPr>
-        <p:spPr>
-          <a:xfrm>
-            <a:off x="591480" y="872153"/>
-            <a:ext cx="2875482" cy="3998421"/>
-          </a:xfrm>
-          <a:prstGeom prst="round2DiagRect">
-            <a:avLst/>
-          </a:prstGeom>
-          <a:solidFill>
-            <a:schemeClr val="bg1">
-              <a:lumMod val="85000"/>
-            </a:schemeClr>
-          </a:solidFill>
-        </p:spPr>
-        <p:style>
-          <a:lnRef idx="2">
-            <a:schemeClr val="accent1">
-              <a:shade val="15000"/>
-            </a:schemeClr>
-          </a:lnRef>
-          <a:fillRef idx="1">
-            <a:schemeClr val="accent1"/>
-          </a:fillRef>
-          <a:effectRef idx="0">
-            <a:schemeClr val="accent1"/>
-          </a:effectRef>
-          <a:fontRef idx="minor">
-            <a:schemeClr val="lt1"/>
-          </a:fontRef>
-        </p:style>
-        <p:txBody>
-          <a:bodyPr rtlCol="0" anchor="ctr"/>
-          <a:lstStyle/>
-          <a:p>
-            <a:pPr algn="ctr"/>
-            <a:endParaRPr lang="de-DE"/>
+            <a:endParaRPr lang="de-DE" dirty="0"/>
           </a:p>
         </p:txBody>
       </p:sp>
@@ -18995,42 +20937,6 @@
       </p:grpSp>
       <p:sp>
         <p:nvSpPr>
-          <p:cNvPr id="10" name="Textfeld 9">
-            <a:extLst>
-              <a:ext uri="{FF2B5EF4-FFF2-40B4-BE49-F238E27FC236}">
-                <a16:creationId xmlns:a16="http://schemas.microsoft.com/office/drawing/2014/main" id="{EB432622-9A28-98C2-E284-408F6E59872F}"/>
-              </a:ext>
-            </a:extLst>
-          </p:cNvPr>
-          <p:cNvSpPr txBox="1"/>
-          <p:nvPr/>
-        </p:nvSpPr>
-        <p:spPr>
-          <a:xfrm>
-            <a:off x="1288473" y="1122219"/>
-            <a:ext cx="1481496" cy="400110"/>
-          </a:xfrm>
-          <a:prstGeom prst="rect">
-            <a:avLst/>
-          </a:prstGeom>
-          <a:noFill/>
-        </p:spPr>
-        <p:txBody>
-          <a:bodyPr wrap="none" rtlCol="0">
-            <a:spAutoFit/>
-          </a:bodyPr>
-          <a:lstStyle/>
-          <a:p>
-            <a:r>
-              <a:rPr lang="en-US" sz="2000" b="1" dirty="0" err="1"/>
-              <a:t>Reversibel</a:t>
-            </a:r>
-            <a:endParaRPr lang="de-DE" sz="2000" b="1" dirty="0"/>
-          </a:p>
-        </p:txBody>
-      </p:sp>
-      <p:sp>
-        <p:nvSpPr>
           <p:cNvPr id="3" name="Textfeld 2">
             <a:extLst>
               <a:ext uri="{FF2B5EF4-FFF2-40B4-BE49-F238E27FC236}">
@@ -19065,11 +20971,454 @@
           </a:p>
         </p:txBody>
       </p:sp>
+      <p:pic>
+        <p:nvPicPr>
+          <p:cNvPr id="11" name="Grafik 10">
+            <a:extLst>
+              <a:ext uri="{FF2B5EF4-FFF2-40B4-BE49-F238E27FC236}">
+                <a16:creationId xmlns:a16="http://schemas.microsoft.com/office/drawing/2014/main" id="{36BEB9F4-71AF-4ECC-82A9-B0BFE61FBDED}"/>
+              </a:ext>
+            </a:extLst>
+          </p:cNvPr>
+          <p:cNvPicPr>
+            <a:picLocks noChangeAspect="1"/>
+          </p:cNvPicPr>
+          <p:nvPr/>
+        </p:nvPicPr>
+        <p:blipFill>
+          <a:blip r:embed="rId5"/>
+          <a:stretch>
+            <a:fillRect/>
+          </a:stretch>
+        </p:blipFill>
+        <p:spPr>
+          <a:xfrm>
+            <a:off x="731662" y="1829189"/>
+            <a:ext cx="2553560" cy="1538288"/>
+          </a:xfrm>
+          <a:prstGeom prst="rect">
+            <a:avLst/>
+          </a:prstGeom>
+          <a:solidFill>
+            <a:schemeClr val="tx1"/>
+          </a:solidFill>
+          <a:ln w="25400">
+            <a:solidFill>
+              <a:schemeClr val="tx1"/>
+            </a:solidFill>
+          </a:ln>
+          <a:effectLst>
+            <a:outerShdw blurRad="50800" dist="38100" dir="8100000" algn="tr" rotWithShape="0">
+              <a:prstClr val="black">
+                <a:alpha val="40000"/>
+              </a:prstClr>
+            </a:outerShdw>
+            <a:reflection blurRad="6350" stA="50000" endA="300" endPos="38500" dist="50800" dir="5400000" sy="-100000" algn="bl" rotWithShape="0"/>
+          </a:effectLst>
+        </p:spPr>
+      </p:pic>
+      <p:sp>
+        <p:nvSpPr>
+          <p:cNvPr id="12" name="Textfeld 11">
+            <a:extLst>
+              <a:ext uri="{FF2B5EF4-FFF2-40B4-BE49-F238E27FC236}">
+                <a16:creationId xmlns:a16="http://schemas.microsoft.com/office/drawing/2014/main" id="{8953B810-8FEA-ED2A-AB68-6C63F8FE1094}"/>
+              </a:ext>
+            </a:extLst>
+          </p:cNvPr>
+          <p:cNvSpPr txBox="1"/>
+          <p:nvPr/>
+        </p:nvSpPr>
+        <p:spPr>
+          <a:xfrm>
+            <a:off x="6027778" y="1648717"/>
+            <a:ext cx="2173993" cy="307777"/>
+          </a:xfrm>
+          <a:prstGeom prst="rect">
+            <a:avLst/>
+          </a:prstGeom>
+          <a:noFill/>
+        </p:spPr>
+        <p:txBody>
+          <a:bodyPr wrap="none" rtlCol="0">
+            <a:spAutoFit/>
+          </a:bodyPr>
+          <a:lstStyle/>
+          <a:p>
+            <a:r>
+              <a:rPr lang="en-US" dirty="0" err="1"/>
+              <a:t>Bindung</a:t>
+            </a:r>
+            <a:r>
+              <a:rPr lang="en-US" dirty="0"/>
+              <a:t> </a:t>
+            </a:r>
+            <a:r>
+              <a:rPr lang="en-US" dirty="0" err="1"/>
+              <a:t>nicht</a:t>
+            </a:r>
+            <a:r>
+              <a:rPr lang="en-US" dirty="0"/>
+              <a:t> </a:t>
+            </a:r>
+            <a:r>
+              <a:rPr lang="en-US" dirty="0" err="1"/>
+              <a:t>umkehrbar</a:t>
+            </a:r>
+            <a:endParaRPr lang="de-DE" dirty="0"/>
+          </a:p>
+        </p:txBody>
+      </p:sp>
+      <p:sp>
+        <p:nvSpPr>
+          <p:cNvPr id="13" name="Textfeld 12">
+            <a:extLst>
+              <a:ext uri="{FF2B5EF4-FFF2-40B4-BE49-F238E27FC236}">
+                <a16:creationId xmlns:a16="http://schemas.microsoft.com/office/drawing/2014/main" id="{77004645-F02C-3C25-9821-06E2275AB485}"/>
+              </a:ext>
+            </a:extLst>
+          </p:cNvPr>
+          <p:cNvSpPr txBox="1"/>
+          <p:nvPr/>
+        </p:nvSpPr>
+        <p:spPr>
+          <a:xfrm>
+            <a:off x="6027778" y="2417860"/>
+            <a:ext cx="1677062" cy="307777"/>
+          </a:xfrm>
+          <a:prstGeom prst="rect">
+            <a:avLst/>
+          </a:prstGeom>
+          <a:noFill/>
+        </p:spPr>
+        <p:txBody>
+          <a:bodyPr wrap="none" rtlCol="0">
+            <a:spAutoFit/>
+          </a:bodyPr>
+          <a:lstStyle/>
+          <a:p>
+            <a:r>
+              <a:rPr lang="en-US" dirty="0" err="1"/>
+              <a:t>Blockiert</a:t>
+            </a:r>
+            <a:r>
+              <a:rPr lang="en-US" dirty="0"/>
+              <a:t> </a:t>
+            </a:r>
+            <a:r>
+              <a:rPr lang="en-US" dirty="0" err="1"/>
+              <a:t>dauerhaft</a:t>
+            </a:r>
+            <a:endParaRPr lang="de-DE" dirty="0"/>
+          </a:p>
+        </p:txBody>
+      </p:sp>
+      <p:sp>
+        <p:nvSpPr>
+          <p:cNvPr id="14" name="Textfeld 13">
+            <a:extLst>
+              <a:ext uri="{FF2B5EF4-FFF2-40B4-BE49-F238E27FC236}">
+                <a16:creationId xmlns:a16="http://schemas.microsoft.com/office/drawing/2014/main" id="{1D5B0C27-D982-D544-E31E-43D0B902CA2F}"/>
+              </a:ext>
+            </a:extLst>
+          </p:cNvPr>
+          <p:cNvSpPr txBox="1"/>
+          <p:nvPr/>
+        </p:nvSpPr>
+        <p:spPr>
+          <a:xfrm>
+            <a:off x="6027778" y="3182540"/>
+            <a:ext cx="2382383" cy="523220"/>
+          </a:xfrm>
+          <a:prstGeom prst="rect">
+            <a:avLst/>
+          </a:prstGeom>
+          <a:noFill/>
+        </p:spPr>
+        <p:txBody>
+          <a:bodyPr wrap="none" rtlCol="0">
+            <a:spAutoFit/>
+          </a:bodyPr>
+          <a:lstStyle/>
+          <a:p>
+            <a:r>
+              <a:rPr lang="en-US" dirty="0" err="1"/>
+              <a:t>Vergiftung</a:t>
+            </a:r>
+            <a:r>
+              <a:rPr lang="en-US" dirty="0"/>
+              <a:t> </a:t>
+            </a:r>
+            <a:r>
+              <a:rPr lang="en-US" dirty="0" err="1"/>
+              <a:t>mit</a:t>
+            </a:r>
+            <a:r>
+              <a:rPr lang="en-US" dirty="0"/>
+              <a:t> Tetrodotoxin </a:t>
+            </a:r>
+          </a:p>
+          <a:p>
+            <a:r>
+              <a:rPr lang="en-US" dirty="0" err="1"/>
+              <a:t>vermeiden</a:t>
+            </a:r>
+            <a:endParaRPr lang="de-DE" dirty="0"/>
+          </a:p>
+        </p:txBody>
+      </p:sp>
     </p:spTree>
   </p:cSld>
   <p:clrMapOvr>
     <a:masterClrMapping/>
   </p:clrMapOvr>
+  <p:timing>
+    <p:tnLst>
+      <p:par>
+        <p:cTn id="1" dur="indefinite" restart="never" nodeType="tmRoot">
+          <p:childTnLst>
+            <p:seq concurrent="1" nextAc="seek">
+              <p:cTn id="2" dur="indefinite" nodeType="mainSeq">
+                <p:childTnLst>
+                  <p:par>
+                    <p:cTn id="3" fill="hold">
+                      <p:stCondLst>
+                        <p:cond delay="indefinite"/>
+                      </p:stCondLst>
+                      <p:childTnLst>
+                        <p:par>
+                          <p:cTn id="4" fill="hold">
+                            <p:stCondLst>
+                              <p:cond delay="0"/>
+                            </p:stCondLst>
+                            <p:childTnLst>
+                              <p:par>
+                                <p:cTn id="5" presetID="22" presetClass="entr" presetSubtype="8" fill="hold" nodeType="clickEffect">
+                                  <p:stCondLst>
+                                    <p:cond delay="0"/>
+                                  </p:stCondLst>
+                                  <p:childTnLst>
+                                    <p:set>
+                                      <p:cBhvr>
+                                        <p:cTn id="6" dur="1" fill="hold">
+                                          <p:stCondLst>
+                                            <p:cond delay="0"/>
+                                          </p:stCondLst>
+                                        </p:cTn>
+                                        <p:tgtEl>
+                                          <p:spTgt spid="11"/>
+                                        </p:tgtEl>
+                                        <p:attrNameLst>
+                                          <p:attrName>style.visibility</p:attrName>
+                                        </p:attrNameLst>
+                                      </p:cBhvr>
+                                      <p:to>
+                                        <p:strVal val="visible"/>
+                                      </p:to>
+                                    </p:set>
+                                    <p:animEffect transition="in" filter="wipe(left)">
+                                      <p:cBhvr>
+                                        <p:cTn id="7" dur="500"/>
+                                        <p:tgtEl>
+                                          <p:spTgt spid="11"/>
+                                        </p:tgtEl>
+                                      </p:cBhvr>
+                                    </p:animEffect>
+                                  </p:childTnLst>
+                                </p:cTn>
+                              </p:par>
+                            </p:childTnLst>
+                          </p:cTn>
+                        </p:par>
+                      </p:childTnLst>
+                    </p:cTn>
+                  </p:par>
+                  <p:par>
+                    <p:cTn id="8" fill="hold">
+                      <p:stCondLst>
+                        <p:cond delay="indefinite"/>
+                      </p:stCondLst>
+                      <p:childTnLst>
+                        <p:par>
+                          <p:cTn id="9" fill="hold">
+                            <p:stCondLst>
+                              <p:cond delay="0"/>
+                            </p:stCondLst>
+                            <p:childTnLst>
+                              <p:par>
+                                <p:cTn id="10" presetID="22" presetClass="entr" presetSubtype="8" fill="hold" grpId="0" nodeType="clickEffect">
+                                  <p:stCondLst>
+                                    <p:cond delay="0"/>
+                                  </p:stCondLst>
+                                  <p:childTnLst>
+                                    <p:set>
+                                      <p:cBhvr>
+                                        <p:cTn id="11" dur="1" fill="hold">
+                                          <p:stCondLst>
+                                            <p:cond delay="0"/>
+                                          </p:stCondLst>
+                                        </p:cTn>
+                                        <p:tgtEl>
+                                          <p:spTgt spid="12"/>
+                                        </p:tgtEl>
+                                        <p:attrNameLst>
+                                          <p:attrName>style.visibility</p:attrName>
+                                        </p:attrNameLst>
+                                      </p:cBhvr>
+                                      <p:to>
+                                        <p:strVal val="visible"/>
+                                      </p:to>
+                                    </p:set>
+                                    <p:animEffect transition="in" filter="wipe(left)">
+                                      <p:cBhvr>
+                                        <p:cTn id="12" dur="500"/>
+                                        <p:tgtEl>
+                                          <p:spTgt spid="12"/>
+                                        </p:tgtEl>
+                                      </p:cBhvr>
+                                    </p:animEffect>
+                                  </p:childTnLst>
+                                </p:cTn>
+                              </p:par>
+                            </p:childTnLst>
+                          </p:cTn>
+                        </p:par>
+                      </p:childTnLst>
+                    </p:cTn>
+                  </p:par>
+                  <p:par>
+                    <p:cTn id="13" fill="hold">
+                      <p:stCondLst>
+                        <p:cond delay="indefinite"/>
+                      </p:stCondLst>
+                      <p:childTnLst>
+                        <p:par>
+                          <p:cTn id="14" fill="hold">
+                            <p:stCondLst>
+                              <p:cond delay="0"/>
+                            </p:stCondLst>
+                            <p:childTnLst>
+                              <p:par>
+                                <p:cTn id="15" presetID="22" presetClass="entr" presetSubtype="8" fill="hold" grpId="0" nodeType="clickEffect">
+                                  <p:stCondLst>
+                                    <p:cond delay="0"/>
+                                  </p:stCondLst>
+                                  <p:childTnLst>
+                                    <p:set>
+                                      <p:cBhvr>
+                                        <p:cTn id="16" dur="1" fill="hold">
+                                          <p:stCondLst>
+                                            <p:cond delay="0"/>
+                                          </p:stCondLst>
+                                        </p:cTn>
+                                        <p:tgtEl>
+                                          <p:spTgt spid="13"/>
+                                        </p:tgtEl>
+                                        <p:attrNameLst>
+                                          <p:attrName>style.visibility</p:attrName>
+                                        </p:attrNameLst>
+                                      </p:cBhvr>
+                                      <p:to>
+                                        <p:strVal val="visible"/>
+                                      </p:to>
+                                    </p:set>
+                                    <p:animEffect transition="in" filter="wipe(left)">
+                                      <p:cBhvr>
+                                        <p:cTn id="17" dur="500"/>
+                                        <p:tgtEl>
+                                          <p:spTgt spid="13"/>
+                                        </p:tgtEl>
+                                      </p:cBhvr>
+                                    </p:animEffect>
+                                  </p:childTnLst>
+                                </p:cTn>
+                              </p:par>
+                            </p:childTnLst>
+                          </p:cTn>
+                        </p:par>
+                      </p:childTnLst>
+                    </p:cTn>
+                  </p:par>
+                  <p:par>
+                    <p:cTn id="18" fill="hold">
+                      <p:stCondLst>
+                        <p:cond delay="indefinite"/>
+                      </p:stCondLst>
+                      <p:childTnLst>
+                        <p:par>
+                          <p:cTn id="19" fill="hold">
+                            <p:stCondLst>
+                              <p:cond delay="0"/>
+                            </p:stCondLst>
+                            <p:childTnLst>
+                              <p:par>
+                                <p:cTn id="20" presetID="22" presetClass="entr" presetSubtype="8" fill="hold" grpId="0" nodeType="clickEffect">
+                                  <p:stCondLst>
+                                    <p:cond delay="0"/>
+                                  </p:stCondLst>
+                                  <p:childTnLst>
+                                    <p:set>
+                                      <p:cBhvr>
+                                        <p:cTn id="21" dur="1" fill="hold">
+                                          <p:stCondLst>
+                                            <p:cond delay="0"/>
+                                          </p:stCondLst>
+                                        </p:cTn>
+                                        <p:tgtEl>
+                                          <p:spTgt spid="14"/>
+                                        </p:tgtEl>
+                                        <p:attrNameLst>
+                                          <p:attrName>style.visibility</p:attrName>
+                                        </p:attrNameLst>
+                                      </p:cBhvr>
+                                      <p:to>
+                                        <p:strVal val="visible"/>
+                                      </p:to>
+                                    </p:set>
+                                    <p:animEffect transition="in" filter="wipe(left)">
+                                      <p:cBhvr>
+                                        <p:cTn id="22" dur="500"/>
+                                        <p:tgtEl>
+                                          <p:spTgt spid="14"/>
+                                        </p:tgtEl>
+                                      </p:cBhvr>
+                                    </p:animEffect>
+                                  </p:childTnLst>
+                                </p:cTn>
+                              </p:par>
+                            </p:childTnLst>
+                          </p:cTn>
+                        </p:par>
+                      </p:childTnLst>
+                    </p:cTn>
+                  </p:par>
+                </p:childTnLst>
+              </p:cTn>
+              <p:prevCondLst>
+                <p:cond evt="onPrev" delay="0">
+                  <p:tgtEl>
+                    <p:sldTgt/>
+                  </p:tgtEl>
+                </p:cond>
+              </p:prevCondLst>
+              <p:nextCondLst>
+                <p:cond evt="onNext" delay="0">
+                  <p:tgtEl>
+                    <p:sldTgt/>
+                  </p:tgtEl>
+                </p:cond>
+              </p:nextCondLst>
+            </p:seq>
+          </p:childTnLst>
+        </p:cTn>
+      </p:par>
+    </p:tnLst>
+    <p:bldLst>
+      <p:bldP spid="12" grpId="0"/>
+      <p:bldP spid="13" grpId="0"/>
+      <p:bldP spid="14" grpId="0"/>
+    </p:bldLst>
+  </p:timing>
 </p:sld>
 </file>
 
@@ -19488,176 +21837,354 @@
           </p:spPr>
         </p:pic>
       </p:grpSp>
-      <p:sp>
-        <p:nvSpPr>
-          <p:cNvPr id="11" name="Textfeld 10">
+      <p:grpSp>
+        <p:nvGrpSpPr>
+          <p:cNvPr id="4" name="Gruppieren 3">
             <a:extLst>
               <a:ext uri="{FF2B5EF4-FFF2-40B4-BE49-F238E27FC236}">
-                <a16:creationId xmlns:a16="http://schemas.microsoft.com/office/drawing/2014/main" id="{B57A119A-AE86-5D46-602A-44BC4054D47F}"/>
+                <a16:creationId xmlns:a16="http://schemas.microsoft.com/office/drawing/2014/main" id="{9953FC16-0E47-8057-B8CB-EE12CA5EC209}"/>
               </a:ext>
             </a:extLst>
           </p:cNvPr>
-          <p:cNvSpPr txBox="1"/>
+          <p:cNvGrpSpPr/>
           <p:nvPr/>
-        </p:nvSpPr>
-        <p:spPr>
+        </p:nvGrpSpPr>
+        <p:grpSpPr>
           <a:xfrm>
             <a:off x="457199" y="2279361"/>
-            <a:ext cx="2545890" cy="584775"/>
+            <a:ext cx="3345655" cy="584775"/>
+            <a:chOff x="457199" y="2279361"/>
+            <a:chExt cx="3345655" cy="584775"/>
           </a:xfrm>
-          <a:prstGeom prst="rect">
-            <a:avLst/>
-          </a:prstGeom>
-          <a:noFill/>
-        </p:spPr>
-        <p:txBody>
-          <a:bodyPr wrap="none" rtlCol="0">
-            <a:spAutoFit/>
-          </a:bodyPr>
-          <a:lstStyle/>
-          <a:p>
-            <a:r>
-              <a:rPr lang="en-US" sz="3200" b="1" dirty="0"/>
-              <a:t>✨KEINE✨</a:t>
-            </a:r>
-            <a:endParaRPr lang="de-DE" b="1" dirty="0"/>
-          </a:p>
-        </p:txBody>
-      </p:sp>
-      <p:sp>
-        <p:nvSpPr>
-          <p:cNvPr id="2" name="Textfeld 1">
+        </p:grpSpPr>
+        <p:sp>
+          <p:nvSpPr>
+            <p:cNvPr id="11" name="Textfeld 10">
+              <a:extLst>
+                <a:ext uri="{FF2B5EF4-FFF2-40B4-BE49-F238E27FC236}">
+                  <a16:creationId xmlns:a16="http://schemas.microsoft.com/office/drawing/2014/main" id="{B57A119A-AE86-5D46-602A-44BC4054D47F}"/>
+                </a:ext>
+              </a:extLst>
+            </p:cNvPr>
+            <p:cNvSpPr txBox="1"/>
+            <p:nvPr/>
+          </p:nvSpPr>
+          <p:spPr>
+            <a:xfrm>
+              <a:off x="457199" y="2279361"/>
+              <a:ext cx="2545890" cy="584775"/>
+            </a:xfrm>
+            <a:prstGeom prst="rect">
+              <a:avLst/>
+            </a:prstGeom>
+            <a:noFill/>
+          </p:spPr>
+          <p:txBody>
+            <a:bodyPr wrap="none" rtlCol="0">
+              <a:spAutoFit/>
+            </a:bodyPr>
+            <a:lstStyle/>
+            <a:p>
+              <a:r>
+                <a:rPr lang="en-US" sz="3200" b="1" dirty="0"/>
+                <a:t>✨KEINE✨</a:t>
+              </a:r>
+              <a:endParaRPr lang="de-DE" b="1" dirty="0"/>
+            </a:p>
+          </p:txBody>
+        </p:sp>
+        <p:cxnSp>
+          <p:nvCxnSpPr>
+            <p:cNvPr id="5" name="Gerade Verbindung mit Pfeil 4">
+              <a:extLst>
+                <a:ext uri="{FF2B5EF4-FFF2-40B4-BE49-F238E27FC236}">
+                  <a16:creationId xmlns:a16="http://schemas.microsoft.com/office/drawing/2014/main" id="{06CA08E7-FEC5-EF3B-C7DF-864B22090730}"/>
+                </a:ext>
+              </a:extLst>
+            </p:cNvPr>
+            <p:cNvCxnSpPr>
+              <a:stCxn id="6" idx="2"/>
+              <a:endCxn id="11" idx="3"/>
+            </p:cNvCxnSpPr>
+            <p:nvPr/>
+          </p:nvCxnSpPr>
+          <p:spPr>
+            <a:xfrm flipH="1" flipV="1">
+              <a:off x="3003089" y="2571749"/>
+              <a:ext cx="799765" cy="1"/>
+            </a:xfrm>
+            <a:prstGeom prst="straightConnector1">
+              <a:avLst/>
+            </a:prstGeom>
+            <a:ln w="25400">
+              <a:tailEnd type="triangle"/>
+            </a:ln>
+          </p:spPr>
+          <p:style>
+            <a:lnRef idx="1">
+              <a:schemeClr val="accent1"/>
+            </a:lnRef>
+            <a:fillRef idx="0">
+              <a:schemeClr val="accent1"/>
+            </a:fillRef>
+            <a:effectRef idx="0">
+              <a:schemeClr val="accent1"/>
+            </a:effectRef>
+            <a:fontRef idx="minor">
+              <a:schemeClr val="tx1"/>
+            </a:fontRef>
+          </p:style>
+        </p:cxnSp>
+      </p:grpSp>
+      <p:grpSp>
+        <p:nvGrpSpPr>
+          <p:cNvPr id="9" name="Gruppieren 8">
             <a:extLst>
               <a:ext uri="{FF2B5EF4-FFF2-40B4-BE49-F238E27FC236}">
-                <a16:creationId xmlns:a16="http://schemas.microsoft.com/office/drawing/2014/main" id="{D26A43AD-902B-2B4C-0E0B-663A76CA57E5}"/>
+                <a16:creationId xmlns:a16="http://schemas.microsoft.com/office/drawing/2014/main" id="{4662AF95-7A7E-CED5-C0D1-8C1C4AF9DA0C}"/>
               </a:ext>
             </a:extLst>
           </p:cNvPr>
-          <p:cNvSpPr txBox="1"/>
+          <p:cNvGrpSpPr/>
           <p:nvPr/>
-        </p:nvSpPr>
-        <p:spPr>
+        </p:nvGrpSpPr>
+        <p:grpSpPr>
           <a:xfrm>
-            <a:off x="6140907" y="2340915"/>
-            <a:ext cx="1946367" cy="461665"/>
+            <a:off x="5341142" y="2340915"/>
+            <a:ext cx="2746132" cy="461665"/>
+            <a:chOff x="5341142" y="2340915"/>
+            <a:chExt cx="2746132" cy="461665"/>
           </a:xfrm>
-          <a:prstGeom prst="rect">
-            <a:avLst/>
-          </a:prstGeom>
-          <a:noFill/>
-        </p:spPr>
-        <p:txBody>
-          <a:bodyPr wrap="none" rtlCol="0">
-            <a:spAutoFit/>
-          </a:bodyPr>
-          <a:lstStyle/>
-          <a:p>
-            <a:r>
-              <a:rPr lang="en-US" sz="2400" b="1" dirty="0"/>
-              <a:t>(</a:t>
-            </a:r>
-            <a:r>
-              <a:rPr lang="en-US" sz="2400" b="1" dirty="0" err="1"/>
-              <a:t>Aktivkohle</a:t>
-            </a:r>
-            <a:r>
-              <a:rPr lang="en-US" sz="2400" b="1" dirty="0"/>
-              <a:t>)</a:t>
-            </a:r>
-            <a:endParaRPr lang="de-DE" sz="1100" b="1" dirty="0"/>
-          </a:p>
-        </p:txBody>
-      </p:sp>
-      <p:cxnSp>
-        <p:nvCxnSpPr>
-          <p:cNvPr id="5" name="Gerade Verbindung mit Pfeil 4">
-            <a:extLst>
-              <a:ext uri="{FF2B5EF4-FFF2-40B4-BE49-F238E27FC236}">
-                <a16:creationId xmlns:a16="http://schemas.microsoft.com/office/drawing/2014/main" id="{06CA08E7-FEC5-EF3B-C7DF-864B22090730}"/>
-              </a:ext>
-            </a:extLst>
-          </p:cNvPr>
-          <p:cNvCxnSpPr>
-            <a:stCxn id="6" idx="2"/>
-            <a:endCxn id="11" idx="3"/>
-          </p:cNvCxnSpPr>
-          <p:nvPr/>
-        </p:nvCxnSpPr>
-        <p:spPr>
-          <a:xfrm flipH="1" flipV="1">
-            <a:off x="3003089" y="2571749"/>
-            <a:ext cx="799765" cy="1"/>
-          </a:xfrm>
-          <a:prstGeom prst="straightConnector1">
-            <a:avLst/>
-          </a:prstGeom>
-          <a:ln w="25400">
-            <a:tailEnd type="triangle"/>
-          </a:ln>
-        </p:spPr>
-        <p:style>
-          <a:lnRef idx="1">
-            <a:schemeClr val="accent1"/>
-          </a:lnRef>
-          <a:fillRef idx="0">
-            <a:schemeClr val="accent1"/>
-          </a:fillRef>
-          <a:effectRef idx="0">
-            <a:schemeClr val="accent1"/>
-          </a:effectRef>
-          <a:fontRef idx="minor">
-            <a:schemeClr val="tx1"/>
-          </a:fontRef>
-        </p:style>
-      </p:cxnSp>
-      <p:cxnSp>
-        <p:nvCxnSpPr>
-          <p:cNvPr id="7" name="Gerade Verbindung mit Pfeil 6">
-            <a:extLst>
-              <a:ext uri="{FF2B5EF4-FFF2-40B4-BE49-F238E27FC236}">
-                <a16:creationId xmlns:a16="http://schemas.microsoft.com/office/drawing/2014/main" id="{E24A648F-5306-80D8-BF8A-B0F9B499B150}"/>
-              </a:ext>
-            </a:extLst>
-          </p:cNvPr>
-          <p:cNvCxnSpPr>
-            <a:cxnSpLocks/>
-            <a:stCxn id="6" idx="6"/>
-            <a:endCxn id="2" idx="1"/>
-          </p:cNvCxnSpPr>
-          <p:nvPr/>
-        </p:nvCxnSpPr>
-        <p:spPr>
-          <a:xfrm flipV="1">
-            <a:off x="5341142" y="2571748"/>
-            <a:ext cx="799765" cy="2"/>
-          </a:xfrm>
-          <a:prstGeom prst="straightConnector1">
-            <a:avLst/>
-          </a:prstGeom>
-          <a:ln w="25400">
-            <a:tailEnd type="triangle"/>
-          </a:ln>
-        </p:spPr>
-        <p:style>
-          <a:lnRef idx="1">
-            <a:schemeClr val="accent1"/>
-          </a:lnRef>
-          <a:fillRef idx="0">
-            <a:schemeClr val="accent1"/>
-          </a:fillRef>
-          <a:effectRef idx="0">
-            <a:schemeClr val="accent1"/>
-          </a:effectRef>
-          <a:fontRef idx="minor">
-            <a:schemeClr val="tx1"/>
-          </a:fontRef>
-        </p:style>
-      </p:cxnSp>
+        </p:grpSpPr>
+        <p:sp>
+          <p:nvSpPr>
+            <p:cNvPr id="2" name="Textfeld 1">
+              <a:extLst>
+                <a:ext uri="{FF2B5EF4-FFF2-40B4-BE49-F238E27FC236}">
+                  <a16:creationId xmlns:a16="http://schemas.microsoft.com/office/drawing/2014/main" id="{D26A43AD-902B-2B4C-0E0B-663A76CA57E5}"/>
+                </a:ext>
+              </a:extLst>
+            </p:cNvPr>
+            <p:cNvSpPr txBox="1"/>
+            <p:nvPr/>
+          </p:nvSpPr>
+          <p:spPr>
+            <a:xfrm>
+              <a:off x="6140907" y="2340915"/>
+              <a:ext cx="1946367" cy="461665"/>
+            </a:xfrm>
+            <a:prstGeom prst="rect">
+              <a:avLst/>
+            </a:prstGeom>
+            <a:noFill/>
+          </p:spPr>
+          <p:txBody>
+            <a:bodyPr wrap="none" rtlCol="0">
+              <a:spAutoFit/>
+            </a:bodyPr>
+            <a:lstStyle/>
+            <a:p>
+              <a:r>
+                <a:rPr lang="en-US" sz="2400" b="1" dirty="0"/>
+                <a:t>(</a:t>
+              </a:r>
+              <a:r>
+                <a:rPr lang="en-US" sz="2400" b="1" dirty="0" err="1"/>
+                <a:t>Aktivkohle</a:t>
+              </a:r>
+              <a:r>
+                <a:rPr lang="en-US" sz="2400" b="1" dirty="0"/>
+                <a:t>)</a:t>
+              </a:r>
+              <a:endParaRPr lang="de-DE" sz="1100" b="1" dirty="0"/>
+            </a:p>
+          </p:txBody>
+        </p:sp>
+        <p:cxnSp>
+          <p:nvCxnSpPr>
+            <p:cNvPr id="7" name="Gerade Verbindung mit Pfeil 6">
+              <a:extLst>
+                <a:ext uri="{FF2B5EF4-FFF2-40B4-BE49-F238E27FC236}">
+                  <a16:creationId xmlns:a16="http://schemas.microsoft.com/office/drawing/2014/main" id="{E24A648F-5306-80D8-BF8A-B0F9B499B150}"/>
+                </a:ext>
+              </a:extLst>
+            </p:cNvPr>
+            <p:cNvCxnSpPr>
+              <a:cxnSpLocks/>
+              <a:stCxn id="6" idx="6"/>
+              <a:endCxn id="2" idx="1"/>
+            </p:cNvCxnSpPr>
+            <p:nvPr/>
+          </p:nvCxnSpPr>
+          <p:spPr>
+            <a:xfrm flipV="1">
+              <a:off x="5341142" y="2571748"/>
+              <a:ext cx="799765" cy="2"/>
+            </a:xfrm>
+            <a:prstGeom prst="straightConnector1">
+              <a:avLst/>
+            </a:prstGeom>
+            <a:ln w="25400">
+              <a:tailEnd type="triangle"/>
+            </a:ln>
+          </p:spPr>
+          <p:style>
+            <a:lnRef idx="1">
+              <a:schemeClr val="accent1"/>
+            </a:lnRef>
+            <a:fillRef idx="0">
+              <a:schemeClr val="accent1"/>
+            </a:fillRef>
+            <a:effectRef idx="0">
+              <a:schemeClr val="accent1"/>
+            </a:effectRef>
+            <a:fontRef idx="minor">
+              <a:schemeClr val="tx1"/>
+            </a:fontRef>
+          </p:style>
+        </p:cxnSp>
+      </p:grpSp>
     </p:spTree>
   </p:cSld>
   <p:clrMapOvr>
     <a:masterClrMapping/>
   </p:clrMapOvr>
+  <p:timing>
+    <p:tnLst>
+      <p:par>
+        <p:cTn id="1" dur="indefinite" restart="never" nodeType="tmRoot">
+          <p:childTnLst>
+            <p:seq concurrent="1" nextAc="seek">
+              <p:cTn id="2" dur="indefinite" nodeType="mainSeq">
+                <p:childTnLst>
+                  <p:par>
+                    <p:cTn id="3" fill="hold">
+                      <p:stCondLst>
+                        <p:cond delay="indefinite"/>
+                      </p:stCondLst>
+                      <p:childTnLst>
+                        <p:par>
+                          <p:cTn id="4" fill="hold">
+                            <p:stCondLst>
+                              <p:cond delay="0"/>
+                            </p:stCondLst>
+                            <p:childTnLst>
+                              <p:par>
+                                <p:cTn id="5" presetID="22" presetClass="entr" presetSubtype="2" fill="hold" nodeType="clickEffect">
+                                  <p:stCondLst>
+                                    <p:cond delay="0"/>
+                                  </p:stCondLst>
+                                  <p:childTnLst>
+                                    <p:set>
+                                      <p:cBhvr>
+                                        <p:cTn id="6" dur="1" fill="hold">
+                                          <p:stCondLst>
+                                            <p:cond delay="0"/>
+                                          </p:stCondLst>
+                                        </p:cTn>
+                                        <p:tgtEl>
+                                          <p:spTgt spid="4"/>
+                                        </p:tgtEl>
+                                        <p:attrNameLst>
+                                          <p:attrName>style.visibility</p:attrName>
+                                        </p:attrNameLst>
+                                      </p:cBhvr>
+                                      <p:to>
+                                        <p:strVal val="visible"/>
+                                      </p:to>
+                                    </p:set>
+                                    <p:animEffect transition="in" filter="wipe(right)">
+                                      <p:cBhvr>
+                                        <p:cTn id="7" dur="500"/>
+                                        <p:tgtEl>
+                                          <p:spTgt spid="4"/>
+                                        </p:tgtEl>
+                                      </p:cBhvr>
+                                    </p:animEffect>
+                                  </p:childTnLst>
+                                </p:cTn>
+                              </p:par>
+                            </p:childTnLst>
+                          </p:cTn>
+                        </p:par>
+                      </p:childTnLst>
+                    </p:cTn>
+                  </p:par>
+                  <p:par>
+                    <p:cTn id="8" fill="hold">
+                      <p:stCondLst>
+                        <p:cond delay="indefinite"/>
+                      </p:stCondLst>
+                      <p:childTnLst>
+                        <p:par>
+                          <p:cTn id="9" fill="hold">
+                            <p:stCondLst>
+                              <p:cond delay="0"/>
+                            </p:stCondLst>
+                            <p:childTnLst>
+                              <p:par>
+                                <p:cTn id="10" presetID="22" presetClass="entr" presetSubtype="8" fill="hold" nodeType="clickEffect">
+                                  <p:stCondLst>
+                                    <p:cond delay="0"/>
+                                  </p:stCondLst>
+                                  <p:childTnLst>
+                                    <p:set>
+                                      <p:cBhvr>
+                                        <p:cTn id="11" dur="1" fill="hold">
+                                          <p:stCondLst>
+                                            <p:cond delay="0"/>
+                                          </p:stCondLst>
+                                        </p:cTn>
+                                        <p:tgtEl>
+                                          <p:spTgt spid="9"/>
+                                        </p:tgtEl>
+                                        <p:attrNameLst>
+                                          <p:attrName>style.visibility</p:attrName>
+                                        </p:attrNameLst>
+                                      </p:cBhvr>
+                                      <p:to>
+                                        <p:strVal val="visible"/>
+                                      </p:to>
+                                    </p:set>
+                                    <p:animEffect transition="in" filter="wipe(left)">
+                                      <p:cBhvr>
+                                        <p:cTn id="12" dur="500"/>
+                                        <p:tgtEl>
+                                          <p:spTgt spid="9"/>
+                                        </p:tgtEl>
+                                      </p:cBhvr>
+                                    </p:animEffect>
+                                  </p:childTnLst>
+                                </p:cTn>
+                              </p:par>
+                            </p:childTnLst>
+                          </p:cTn>
+                        </p:par>
+                      </p:childTnLst>
+                    </p:cTn>
+                  </p:par>
+                </p:childTnLst>
+              </p:cTn>
+              <p:prevCondLst>
+                <p:cond evt="onPrev" delay="0">
+                  <p:tgtEl>
+                    <p:sldTgt/>
+                  </p:tgtEl>
+                </p:cond>
+              </p:prevCondLst>
+              <p:nextCondLst>
+                <p:cond evt="onNext" delay="0">
+                  <p:tgtEl>
+                    <p:sldTgt/>
+                  </p:tgtEl>
+                </p:cond>
+              </p:nextCondLst>
+            </p:seq>
+          </p:childTnLst>
+        </p:cTn>
+      </p:par>
+    </p:tnLst>
+  </p:timing>
 </p:sld>
 </file>
 
@@ -20055,247 +22582,499 @@
           </a:prstGeom>
         </p:spPr>
       </p:pic>
-      <p:sp>
-        <p:nvSpPr>
-          <p:cNvPr id="3" name="Textfeld 2">
+      <p:grpSp>
+        <p:nvGrpSpPr>
+          <p:cNvPr id="11" name="Gruppieren 10">
             <a:extLst>
               <a:ext uri="{FF2B5EF4-FFF2-40B4-BE49-F238E27FC236}">
-                <a16:creationId xmlns:a16="http://schemas.microsoft.com/office/drawing/2014/main" id="{1B24C5D8-85DE-1AD1-0AC4-39A55A78974D}"/>
+                <a16:creationId xmlns:a16="http://schemas.microsoft.com/office/drawing/2014/main" id="{6B55438D-B4A0-DDB1-30E9-09ED5B56717D}"/>
               </a:ext>
             </a:extLst>
           </p:cNvPr>
-          <p:cNvSpPr txBox="1"/>
+          <p:cNvGrpSpPr/>
           <p:nvPr/>
-        </p:nvSpPr>
-        <p:spPr>
+        </p:nvGrpSpPr>
+        <p:grpSpPr>
           <a:xfrm>
-            <a:off x="6782978" y="2310139"/>
-            <a:ext cx="1484702" cy="523220"/>
+            <a:off x="3551526" y="3340894"/>
+            <a:ext cx="2040943" cy="1283358"/>
+            <a:chOff x="3551526" y="3340894"/>
+            <a:chExt cx="2040943" cy="1283358"/>
           </a:xfrm>
-          <a:prstGeom prst="rect">
-            <a:avLst/>
-          </a:prstGeom>
-          <a:noFill/>
-        </p:spPr>
-        <p:txBody>
-          <a:bodyPr wrap="none" rtlCol="0">
-            <a:spAutoFit/>
-          </a:bodyPr>
-          <a:lstStyle/>
-          <a:p>
-            <a:r>
-              <a:rPr lang="en-US" sz="2800" b="1" dirty="0"/>
-              <a:t>Rausch</a:t>
-            </a:r>
-            <a:endParaRPr lang="de-DE" sz="2800" b="1" dirty="0"/>
-          </a:p>
-        </p:txBody>
-      </p:sp>
-      <p:sp>
-        <p:nvSpPr>
-          <p:cNvPr id="5" name="Textfeld 4">
+        </p:grpSpPr>
+        <p:sp>
+          <p:nvSpPr>
+            <p:cNvPr id="5" name="Textfeld 4">
+              <a:extLst>
+                <a:ext uri="{FF2B5EF4-FFF2-40B4-BE49-F238E27FC236}">
+                  <a16:creationId xmlns:a16="http://schemas.microsoft.com/office/drawing/2014/main" id="{1262F2A2-BF43-AAB0-C8F3-B3AFB5A2D246}"/>
+                </a:ext>
+              </a:extLst>
+            </p:cNvPr>
+            <p:cNvSpPr txBox="1"/>
+            <p:nvPr/>
+          </p:nvSpPr>
+          <p:spPr>
+            <a:xfrm>
+              <a:off x="3551526" y="4101032"/>
+              <a:ext cx="2040943" cy="523220"/>
+            </a:xfrm>
+            <a:prstGeom prst="rect">
+              <a:avLst/>
+            </a:prstGeom>
+            <a:noFill/>
+          </p:spPr>
+          <p:txBody>
+            <a:bodyPr wrap="none" rtlCol="0">
+              <a:spAutoFit/>
+            </a:bodyPr>
+            <a:lstStyle/>
+            <a:p>
+              <a:r>
+                <a:rPr lang="en-US" sz="2800" b="1" dirty="0" err="1"/>
+                <a:t>Kaugummi</a:t>
+              </a:r>
+              <a:endParaRPr lang="de-DE" sz="2800" b="1" dirty="0"/>
+            </a:p>
+          </p:txBody>
+        </p:sp>
+        <p:cxnSp>
+          <p:nvCxnSpPr>
+            <p:cNvPr id="9" name="Gerade Verbindung mit Pfeil 8">
+              <a:extLst>
+                <a:ext uri="{FF2B5EF4-FFF2-40B4-BE49-F238E27FC236}">
+                  <a16:creationId xmlns:a16="http://schemas.microsoft.com/office/drawing/2014/main" id="{915E36F1-9FCA-3E33-EA90-CC28845D23AE}"/>
+                </a:ext>
+              </a:extLst>
+            </p:cNvPr>
+            <p:cNvCxnSpPr>
+              <a:stCxn id="4" idx="4"/>
+              <a:endCxn id="5" idx="0"/>
+            </p:cNvCxnSpPr>
+            <p:nvPr/>
+          </p:nvCxnSpPr>
+          <p:spPr>
+            <a:xfrm>
+              <a:off x="4571998" y="3340894"/>
+              <a:ext cx="0" cy="760138"/>
+            </a:xfrm>
+            <a:prstGeom prst="straightConnector1">
+              <a:avLst/>
+            </a:prstGeom>
+            <a:ln w="25400">
+              <a:tailEnd type="triangle"/>
+            </a:ln>
+          </p:spPr>
+          <p:style>
+            <a:lnRef idx="1">
+              <a:schemeClr val="accent1"/>
+            </a:lnRef>
+            <a:fillRef idx="0">
+              <a:schemeClr val="accent1"/>
+            </a:fillRef>
+            <a:effectRef idx="0">
+              <a:schemeClr val="accent1"/>
+            </a:effectRef>
+            <a:fontRef idx="minor">
+              <a:schemeClr val="tx1"/>
+            </a:fontRef>
+          </p:style>
+        </p:cxnSp>
+      </p:grpSp>
+      <p:grpSp>
+        <p:nvGrpSpPr>
+          <p:cNvPr id="12" name="Gruppieren 11">
             <a:extLst>
               <a:ext uri="{FF2B5EF4-FFF2-40B4-BE49-F238E27FC236}">
-                <a16:creationId xmlns:a16="http://schemas.microsoft.com/office/drawing/2014/main" id="{1262F2A2-BF43-AAB0-C8F3-B3AFB5A2D246}"/>
+                <a16:creationId xmlns:a16="http://schemas.microsoft.com/office/drawing/2014/main" id="{41289F3B-2CED-8CF8-9EEC-E3554D633BAB}"/>
               </a:ext>
             </a:extLst>
           </p:cNvPr>
-          <p:cNvSpPr txBox="1"/>
+          <p:cNvGrpSpPr/>
           <p:nvPr/>
-        </p:nvSpPr>
-        <p:spPr>
+        </p:nvGrpSpPr>
+        <p:grpSpPr>
           <a:xfrm>
-            <a:off x="3551526" y="4101032"/>
-            <a:ext cx="2040943" cy="523220"/>
+            <a:off x="5341142" y="2310139"/>
+            <a:ext cx="2926538" cy="523220"/>
+            <a:chOff x="5341142" y="2310139"/>
+            <a:chExt cx="2926538" cy="523220"/>
           </a:xfrm>
-          <a:prstGeom prst="rect">
-            <a:avLst/>
-          </a:prstGeom>
-          <a:noFill/>
-        </p:spPr>
-        <p:txBody>
-          <a:bodyPr wrap="none" rtlCol="0">
-            <a:spAutoFit/>
-          </a:bodyPr>
-          <a:lstStyle/>
-          <a:p>
-            <a:r>
-              <a:rPr lang="en-US" sz="2800" b="1" dirty="0" err="1"/>
-              <a:t>Kaugummi</a:t>
-            </a:r>
-            <a:endParaRPr lang="de-DE" sz="2800" b="1" dirty="0"/>
-          </a:p>
-        </p:txBody>
-      </p:sp>
-      <p:sp>
-        <p:nvSpPr>
-          <p:cNvPr id="6" name="Textfeld 5">
+        </p:grpSpPr>
+        <p:sp>
+          <p:nvSpPr>
+            <p:cNvPr id="3" name="Textfeld 2">
+              <a:extLst>
+                <a:ext uri="{FF2B5EF4-FFF2-40B4-BE49-F238E27FC236}">
+                  <a16:creationId xmlns:a16="http://schemas.microsoft.com/office/drawing/2014/main" id="{1B24C5D8-85DE-1AD1-0AC4-39A55A78974D}"/>
+                </a:ext>
+              </a:extLst>
+            </p:cNvPr>
+            <p:cNvSpPr txBox="1"/>
+            <p:nvPr/>
+          </p:nvSpPr>
+          <p:spPr>
+            <a:xfrm>
+              <a:off x="6782978" y="2310139"/>
+              <a:ext cx="1484702" cy="523220"/>
+            </a:xfrm>
+            <a:prstGeom prst="rect">
+              <a:avLst/>
+            </a:prstGeom>
+            <a:noFill/>
+          </p:spPr>
+          <p:txBody>
+            <a:bodyPr wrap="none" rtlCol="0">
+              <a:spAutoFit/>
+            </a:bodyPr>
+            <a:lstStyle/>
+            <a:p>
+              <a:r>
+                <a:rPr lang="en-US" sz="2800" b="1" dirty="0"/>
+                <a:t>Rausch</a:t>
+              </a:r>
+              <a:endParaRPr lang="de-DE" sz="2800" b="1" dirty="0"/>
+            </a:p>
+          </p:txBody>
+        </p:sp>
+        <p:cxnSp>
+          <p:nvCxnSpPr>
+            <p:cNvPr id="10" name="Gerade Verbindung mit Pfeil 9">
+              <a:extLst>
+                <a:ext uri="{FF2B5EF4-FFF2-40B4-BE49-F238E27FC236}">
+                  <a16:creationId xmlns:a16="http://schemas.microsoft.com/office/drawing/2014/main" id="{E89A531A-4614-474B-76E7-15F230C0246C}"/>
+                </a:ext>
+              </a:extLst>
+            </p:cNvPr>
+            <p:cNvCxnSpPr>
+              <a:cxnSpLocks/>
+              <a:stCxn id="4" idx="6"/>
+              <a:endCxn id="3" idx="1"/>
+            </p:cNvCxnSpPr>
+            <p:nvPr/>
+          </p:nvCxnSpPr>
+          <p:spPr>
+            <a:xfrm flipV="1">
+              <a:off x="5341142" y="2571749"/>
+              <a:ext cx="1441836" cy="1"/>
+            </a:xfrm>
+            <a:prstGeom prst="straightConnector1">
+              <a:avLst/>
+            </a:prstGeom>
+            <a:ln w="25400">
+              <a:tailEnd type="triangle"/>
+            </a:ln>
+          </p:spPr>
+          <p:style>
+            <a:lnRef idx="1">
+              <a:schemeClr val="accent1"/>
+            </a:lnRef>
+            <a:fillRef idx="0">
+              <a:schemeClr val="accent1"/>
+            </a:fillRef>
+            <a:effectRef idx="0">
+              <a:schemeClr val="accent1"/>
+            </a:effectRef>
+            <a:fontRef idx="minor">
+              <a:schemeClr val="tx1"/>
+            </a:fontRef>
+          </p:style>
+        </p:cxnSp>
+      </p:grpSp>
+      <p:grpSp>
+        <p:nvGrpSpPr>
+          <p:cNvPr id="8" name="Gruppieren 7">
             <a:extLst>
               <a:ext uri="{FF2B5EF4-FFF2-40B4-BE49-F238E27FC236}">
-                <a16:creationId xmlns:a16="http://schemas.microsoft.com/office/drawing/2014/main" id="{2DC905E4-3E9C-1183-D49B-009135A34430}"/>
+                <a16:creationId xmlns:a16="http://schemas.microsoft.com/office/drawing/2014/main" id="{0E3F57E8-BF02-6ADB-60A7-28F9EE4E59A3}"/>
               </a:ext>
             </a:extLst>
           </p:cNvPr>
-          <p:cNvSpPr txBox="1"/>
+          <p:cNvGrpSpPr/>
           <p:nvPr/>
-        </p:nvSpPr>
-        <p:spPr>
+        </p:nvGrpSpPr>
+        <p:grpSpPr>
           <a:xfrm>
             <a:off x="876320" y="2310139"/>
-            <a:ext cx="1803699" cy="523220"/>
+            <a:ext cx="2926534" cy="523220"/>
+            <a:chOff x="876320" y="2310139"/>
+            <a:chExt cx="2926534" cy="523220"/>
           </a:xfrm>
-          <a:prstGeom prst="rect">
-            <a:avLst/>
-          </a:prstGeom>
-          <a:noFill/>
-        </p:spPr>
-        <p:txBody>
-          <a:bodyPr wrap="none" rtlCol="0">
-            <a:spAutoFit/>
-          </a:bodyPr>
-          <a:lstStyle/>
-          <a:p>
-            <a:r>
-              <a:rPr lang="en-US" sz="2800" b="1" dirty="0" err="1"/>
-              <a:t>Jungtiere</a:t>
-            </a:r>
-            <a:endParaRPr lang="de-DE" sz="2800" b="1" dirty="0"/>
-          </a:p>
-        </p:txBody>
-      </p:sp>
-      <p:cxnSp>
-        <p:nvCxnSpPr>
-          <p:cNvPr id="9" name="Gerade Verbindung mit Pfeil 8">
-            <a:extLst>
-              <a:ext uri="{FF2B5EF4-FFF2-40B4-BE49-F238E27FC236}">
-                <a16:creationId xmlns:a16="http://schemas.microsoft.com/office/drawing/2014/main" id="{915E36F1-9FCA-3E33-EA90-CC28845D23AE}"/>
-              </a:ext>
-            </a:extLst>
-          </p:cNvPr>
-          <p:cNvCxnSpPr>
-            <a:stCxn id="4" idx="4"/>
-            <a:endCxn id="5" idx="0"/>
-          </p:cNvCxnSpPr>
-          <p:nvPr/>
-        </p:nvCxnSpPr>
-        <p:spPr>
-          <a:xfrm>
-            <a:off x="4571998" y="3340894"/>
-            <a:ext cx="0" cy="760138"/>
-          </a:xfrm>
-          <a:prstGeom prst="straightConnector1">
-            <a:avLst/>
-          </a:prstGeom>
-          <a:ln w="25400">
-            <a:tailEnd type="triangle"/>
-          </a:ln>
-        </p:spPr>
-        <p:style>
-          <a:lnRef idx="1">
-            <a:schemeClr val="accent1"/>
-          </a:lnRef>
-          <a:fillRef idx="0">
-            <a:schemeClr val="accent1"/>
-          </a:fillRef>
-          <a:effectRef idx="0">
-            <a:schemeClr val="accent1"/>
-          </a:effectRef>
-          <a:fontRef idx="minor">
-            <a:schemeClr val="tx1"/>
-          </a:fontRef>
-        </p:style>
-      </p:cxnSp>
-      <p:cxnSp>
-        <p:nvCxnSpPr>
-          <p:cNvPr id="10" name="Gerade Verbindung mit Pfeil 9">
-            <a:extLst>
-              <a:ext uri="{FF2B5EF4-FFF2-40B4-BE49-F238E27FC236}">
-                <a16:creationId xmlns:a16="http://schemas.microsoft.com/office/drawing/2014/main" id="{E89A531A-4614-474B-76E7-15F230C0246C}"/>
-              </a:ext>
-            </a:extLst>
-          </p:cNvPr>
-          <p:cNvCxnSpPr>
-            <a:cxnSpLocks/>
-            <a:stCxn id="4" idx="6"/>
-            <a:endCxn id="3" idx="1"/>
-          </p:cNvCxnSpPr>
-          <p:nvPr/>
-        </p:nvCxnSpPr>
-        <p:spPr>
-          <a:xfrm flipV="1">
-            <a:off x="5341142" y="2571749"/>
-            <a:ext cx="1441836" cy="1"/>
-          </a:xfrm>
-          <a:prstGeom prst="straightConnector1">
-            <a:avLst/>
-          </a:prstGeom>
-          <a:ln w="25400">
-            <a:tailEnd type="triangle"/>
-          </a:ln>
-        </p:spPr>
-        <p:style>
-          <a:lnRef idx="1">
-            <a:schemeClr val="accent1"/>
-          </a:lnRef>
-          <a:fillRef idx="0">
-            <a:schemeClr val="accent1"/>
-          </a:fillRef>
-          <a:effectRef idx="0">
-            <a:schemeClr val="accent1"/>
-          </a:effectRef>
-          <a:fontRef idx="minor">
-            <a:schemeClr val="tx1"/>
-          </a:fontRef>
-        </p:style>
-      </p:cxnSp>
-      <p:cxnSp>
-        <p:nvCxnSpPr>
-          <p:cNvPr id="13" name="Gerade Verbindung mit Pfeil 12">
-            <a:extLst>
-              <a:ext uri="{FF2B5EF4-FFF2-40B4-BE49-F238E27FC236}">
-                <a16:creationId xmlns:a16="http://schemas.microsoft.com/office/drawing/2014/main" id="{4F038641-039A-339E-9BF1-BD34F3920E25}"/>
-              </a:ext>
-            </a:extLst>
-          </p:cNvPr>
-          <p:cNvCxnSpPr>
-            <a:cxnSpLocks/>
-            <a:stCxn id="4" idx="2"/>
-            <a:endCxn id="6" idx="3"/>
-          </p:cNvCxnSpPr>
-          <p:nvPr/>
-        </p:nvCxnSpPr>
-        <p:spPr>
-          <a:xfrm flipH="1" flipV="1">
-            <a:off x="2680019" y="2571749"/>
-            <a:ext cx="1122835" cy="1"/>
-          </a:xfrm>
-          <a:prstGeom prst="straightConnector1">
-            <a:avLst/>
-          </a:prstGeom>
-          <a:ln w="25400">
-            <a:tailEnd type="triangle"/>
-          </a:ln>
-        </p:spPr>
-        <p:style>
-          <a:lnRef idx="1">
-            <a:schemeClr val="accent1"/>
-          </a:lnRef>
-          <a:fillRef idx="0">
-            <a:schemeClr val="accent1"/>
-          </a:fillRef>
-          <a:effectRef idx="0">
-            <a:schemeClr val="accent1"/>
-          </a:effectRef>
-          <a:fontRef idx="minor">
-            <a:schemeClr val="tx1"/>
-          </a:fontRef>
-        </p:style>
-      </p:cxnSp>
+        </p:grpSpPr>
+        <p:sp>
+          <p:nvSpPr>
+            <p:cNvPr id="6" name="Textfeld 5">
+              <a:extLst>
+                <a:ext uri="{FF2B5EF4-FFF2-40B4-BE49-F238E27FC236}">
+                  <a16:creationId xmlns:a16="http://schemas.microsoft.com/office/drawing/2014/main" id="{2DC905E4-3E9C-1183-D49B-009135A34430}"/>
+                </a:ext>
+              </a:extLst>
+            </p:cNvPr>
+            <p:cNvSpPr txBox="1"/>
+            <p:nvPr/>
+          </p:nvSpPr>
+          <p:spPr>
+            <a:xfrm>
+              <a:off x="876320" y="2310139"/>
+              <a:ext cx="1803699" cy="523220"/>
+            </a:xfrm>
+            <a:prstGeom prst="rect">
+              <a:avLst/>
+            </a:prstGeom>
+            <a:noFill/>
+          </p:spPr>
+          <p:txBody>
+            <a:bodyPr wrap="none" rtlCol="0">
+              <a:spAutoFit/>
+            </a:bodyPr>
+            <a:lstStyle/>
+            <a:p>
+              <a:r>
+                <a:rPr lang="en-US" sz="2800" b="1" dirty="0" err="1"/>
+                <a:t>Jungtiere</a:t>
+              </a:r>
+              <a:endParaRPr lang="de-DE" sz="2800" b="1" dirty="0"/>
+            </a:p>
+          </p:txBody>
+        </p:sp>
+        <p:cxnSp>
+          <p:nvCxnSpPr>
+            <p:cNvPr id="13" name="Gerade Verbindung mit Pfeil 12">
+              <a:extLst>
+                <a:ext uri="{FF2B5EF4-FFF2-40B4-BE49-F238E27FC236}">
+                  <a16:creationId xmlns:a16="http://schemas.microsoft.com/office/drawing/2014/main" id="{4F038641-039A-339E-9BF1-BD34F3920E25}"/>
+                </a:ext>
+              </a:extLst>
+            </p:cNvPr>
+            <p:cNvCxnSpPr>
+              <a:cxnSpLocks/>
+              <a:stCxn id="4" idx="2"/>
+              <a:endCxn id="6" idx="3"/>
+            </p:cNvCxnSpPr>
+            <p:nvPr/>
+          </p:nvCxnSpPr>
+          <p:spPr>
+            <a:xfrm flipH="1" flipV="1">
+              <a:off x="2680019" y="2571749"/>
+              <a:ext cx="1122835" cy="1"/>
+            </a:xfrm>
+            <a:prstGeom prst="straightConnector1">
+              <a:avLst/>
+            </a:prstGeom>
+            <a:ln w="25400">
+              <a:tailEnd type="triangle"/>
+            </a:ln>
+          </p:spPr>
+          <p:style>
+            <a:lnRef idx="1">
+              <a:schemeClr val="accent1"/>
+            </a:lnRef>
+            <a:fillRef idx="0">
+              <a:schemeClr val="accent1"/>
+            </a:fillRef>
+            <a:effectRef idx="0">
+              <a:schemeClr val="accent1"/>
+            </a:effectRef>
+            <a:fontRef idx="minor">
+              <a:schemeClr val="tx1"/>
+            </a:fontRef>
+          </p:style>
+        </p:cxnSp>
+      </p:grpSp>
     </p:spTree>
   </p:cSld>
   <p:clrMapOvr>
     <a:masterClrMapping/>
   </p:clrMapOvr>
+  <p:timing>
+    <p:tnLst>
+      <p:par>
+        <p:cTn id="1" dur="indefinite" restart="never" nodeType="tmRoot">
+          <p:childTnLst>
+            <p:seq concurrent="1" nextAc="seek">
+              <p:cTn id="2" dur="indefinite" nodeType="mainSeq">
+                <p:childTnLst>
+                  <p:par>
+                    <p:cTn id="3" fill="hold">
+                      <p:stCondLst>
+                        <p:cond delay="indefinite"/>
+                      </p:stCondLst>
+                      <p:childTnLst>
+                        <p:par>
+                          <p:cTn id="4" fill="hold">
+                            <p:stCondLst>
+                              <p:cond delay="0"/>
+                            </p:stCondLst>
+                            <p:childTnLst>
+                              <p:par>
+                                <p:cTn id="5" presetID="22" presetClass="entr" presetSubtype="2" fill="hold" nodeType="clickEffect">
+                                  <p:stCondLst>
+                                    <p:cond delay="0"/>
+                                  </p:stCondLst>
+                                  <p:childTnLst>
+                                    <p:set>
+                                      <p:cBhvr>
+                                        <p:cTn id="6" dur="1" fill="hold">
+                                          <p:stCondLst>
+                                            <p:cond delay="0"/>
+                                          </p:stCondLst>
+                                        </p:cTn>
+                                        <p:tgtEl>
+                                          <p:spTgt spid="8"/>
+                                        </p:tgtEl>
+                                        <p:attrNameLst>
+                                          <p:attrName>style.visibility</p:attrName>
+                                        </p:attrNameLst>
+                                      </p:cBhvr>
+                                      <p:to>
+                                        <p:strVal val="visible"/>
+                                      </p:to>
+                                    </p:set>
+                                    <p:animEffect transition="in" filter="wipe(right)">
+                                      <p:cBhvr>
+                                        <p:cTn id="7" dur="500"/>
+                                        <p:tgtEl>
+                                          <p:spTgt spid="8"/>
+                                        </p:tgtEl>
+                                      </p:cBhvr>
+                                    </p:animEffect>
+                                  </p:childTnLst>
+                                </p:cTn>
+                              </p:par>
+                            </p:childTnLst>
+                          </p:cTn>
+                        </p:par>
+                      </p:childTnLst>
+                    </p:cTn>
+                  </p:par>
+                  <p:par>
+                    <p:cTn id="8" fill="hold">
+                      <p:stCondLst>
+                        <p:cond delay="indefinite"/>
+                      </p:stCondLst>
+                      <p:childTnLst>
+                        <p:par>
+                          <p:cTn id="9" fill="hold">
+                            <p:stCondLst>
+                              <p:cond delay="0"/>
+                            </p:stCondLst>
+                            <p:childTnLst>
+                              <p:par>
+                                <p:cTn id="10" presetID="22" presetClass="entr" presetSubtype="1" fill="hold" nodeType="clickEffect">
+                                  <p:stCondLst>
+                                    <p:cond delay="0"/>
+                                  </p:stCondLst>
+                                  <p:childTnLst>
+                                    <p:set>
+                                      <p:cBhvr>
+                                        <p:cTn id="11" dur="1" fill="hold">
+                                          <p:stCondLst>
+                                            <p:cond delay="0"/>
+                                          </p:stCondLst>
+                                        </p:cTn>
+                                        <p:tgtEl>
+                                          <p:spTgt spid="11"/>
+                                        </p:tgtEl>
+                                        <p:attrNameLst>
+                                          <p:attrName>style.visibility</p:attrName>
+                                        </p:attrNameLst>
+                                      </p:cBhvr>
+                                      <p:to>
+                                        <p:strVal val="visible"/>
+                                      </p:to>
+                                    </p:set>
+                                    <p:animEffect transition="in" filter="wipe(up)">
+                                      <p:cBhvr>
+                                        <p:cTn id="12" dur="500"/>
+                                        <p:tgtEl>
+                                          <p:spTgt spid="11"/>
+                                        </p:tgtEl>
+                                      </p:cBhvr>
+                                    </p:animEffect>
+                                  </p:childTnLst>
+                                </p:cTn>
+                              </p:par>
+                            </p:childTnLst>
+                          </p:cTn>
+                        </p:par>
+                      </p:childTnLst>
+                    </p:cTn>
+                  </p:par>
+                  <p:par>
+                    <p:cTn id="13" fill="hold">
+                      <p:stCondLst>
+                        <p:cond delay="indefinite"/>
+                      </p:stCondLst>
+                      <p:childTnLst>
+                        <p:par>
+                          <p:cTn id="14" fill="hold">
+                            <p:stCondLst>
+                              <p:cond delay="0"/>
+                            </p:stCondLst>
+                            <p:childTnLst>
+                              <p:par>
+                                <p:cTn id="15" presetID="22" presetClass="entr" presetSubtype="8" fill="hold" nodeType="clickEffect">
+                                  <p:stCondLst>
+                                    <p:cond delay="0"/>
+                                  </p:stCondLst>
+                                  <p:childTnLst>
+                                    <p:set>
+                                      <p:cBhvr>
+                                        <p:cTn id="16" dur="1" fill="hold">
+                                          <p:stCondLst>
+                                            <p:cond delay="0"/>
+                                          </p:stCondLst>
+                                        </p:cTn>
+                                        <p:tgtEl>
+                                          <p:spTgt spid="12"/>
+                                        </p:tgtEl>
+                                        <p:attrNameLst>
+                                          <p:attrName>style.visibility</p:attrName>
+                                        </p:attrNameLst>
+                                      </p:cBhvr>
+                                      <p:to>
+                                        <p:strVal val="visible"/>
+                                      </p:to>
+                                    </p:set>
+                                    <p:animEffect transition="in" filter="wipe(left)">
+                                      <p:cBhvr>
+                                        <p:cTn id="17" dur="500"/>
+                                        <p:tgtEl>
+                                          <p:spTgt spid="12"/>
+                                        </p:tgtEl>
+                                      </p:cBhvr>
+                                    </p:animEffect>
+                                  </p:childTnLst>
+                                </p:cTn>
+                              </p:par>
+                            </p:childTnLst>
+                          </p:cTn>
+                        </p:par>
+                      </p:childTnLst>
+                    </p:cTn>
+                  </p:par>
+                </p:childTnLst>
+              </p:cTn>
+              <p:prevCondLst>
+                <p:cond evt="onPrev" delay="0">
+                  <p:tgtEl>
+                    <p:sldTgt/>
+                  </p:tgtEl>
+                </p:cond>
+              </p:prevCondLst>
+              <p:nextCondLst>
+                <p:cond evt="onNext" delay="0">
+                  <p:tgtEl>
+                    <p:sldTgt/>
+                  </p:tgtEl>
+                </p:cond>
+              </p:nextCondLst>
+            </p:seq>
+          </p:childTnLst>
+        </p:cTn>
+      </p:par>
+    </p:tnLst>
+  </p:timing>
 </p:sld>
 </file>
 
